--- a/scripts/includes/theme.pptx
+++ b/scripts/includes/theme.pptx
@@ -2,21 +2,13 @@
 <file path=ppt/presentation.xml><?xml version="1.0" encoding="utf-8"?>
 <p:presentation xmlns:a="http://schemas.openxmlformats.org/drawingml/2006/main" xmlns:r="http://schemas.openxmlformats.org/officeDocument/2006/relationships" xmlns:p="http://schemas.openxmlformats.org/presentationml/2006/main" saveSubsetFonts="1" autoCompressPictures="0">
   <p:sldMasterIdLst>
-    <p:sldMasterId id="2147483648" r:id="rId1"/>
+    <p:sldMasterId id="2147483750" r:id="rId1"/>
   </p:sldMasterIdLst>
   <p:handoutMasterIdLst>
-    <p:handoutMasterId r:id="rId11"/>
+    <p:handoutMasterId r:id="rId3"/>
   </p:handoutMasterIdLst>
   <p:sldIdLst>
     <p:sldId id="256" r:id="rId2"/>
-    <p:sldId id="257" r:id="rId3"/>
-    <p:sldId id="258" r:id="rId4"/>
-    <p:sldId id="259" r:id="rId5"/>
-    <p:sldId id="260" r:id="rId6"/>
-    <p:sldId id="261" r:id="rId7"/>
-    <p:sldId id="262" r:id="rId8"/>
-    <p:sldId id="263" r:id="rId9"/>
-    <p:sldId id="264" r:id="rId10"/>
   </p:sldIdLst>
   <p:sldSz cx="12192000" cy="6858000"/>
   <p:notesSz cx="6858000" cy="9144000"/>
@@ -115,6 +107,14 @@
       </a:defRPr>
     </a:lvl9pPr>
   </p:defaultTextStyle>
+  <p:extLst>
+    <p:ext uri="{EFAFB233-063F-42B5-8137-9DF3F51BA10A}">
+      <p15:sldGuideLst xmlns:p15="http://schemas.microsoft.com/office/powerpoint/2012/main"/>
+    </p:ext>
+    <p:ext uri="{2D200454-40CA-4A62-9FC3-DE9A4176ACB9}">
+      <p15:notesGuideLst xmlns:p15="http://schemas.microsoft.com/office/powerpoint/2012/main"/>
+    </p:ext>
+  </p:extLst>
 </p:presentation>
 </file>
 
@@ -212,7 +212,7 @@
           <a:p>
             <a:fld id="{728AA843-2E0F-4143-82E9-3671A2E63393}" type="datetimeFigureOut">
               <a:rPr lang="en-CA" smtClean="0"/>
-              <a:t>2023-11-03</a:t>
+              <a:t>2023-11-04</a:t>
             </a:fld>
             <a:endParaRPr lang="en-CA"/>
           </a:p>
@@ -329,7 +329,7 @@
           <p:cNvPr id="2" name="Title 1">
             <a:extLst>
               <a:ext uri="{FF2B5EF4-FFF2-40B4-BE49-F238E27FC236}">
-                <a16:creationId xmlns:a16="http://schemas.microsoft.com/office/drawing/2014/main" id="{6D721FC6-E3A7-4B06-F197-D06280430CF0}"/>
+                <a16:creationId xmlns:a16="http://schemas.microsoft.com/office/drawing/2014/main" id="{90D883F9-D761-99F5-582F-15047F053D5D}"/>
               </a:ext>
             </a:extLst>
           </p:cNvPr>
@@ -367,7 +367,7 @@
           <p:cNvPr id="3" name="Subtitle 2">
             <a:extLst>
               <a:ext uri="{FF2B5EF4-FFF2-40B4-BE49-F238E27FC236}">
-                <a16:creationId xmlns:a16="http://schemas.microsoft.com/office/drawing/2014/main" id="{0C50EF6A-7209-3265-ED15-A7BA3244A139}"/>
+                <a16:creationId xmlns:a16="http://schemas.microsoft.com/office/drawing/2014/main" id="{DC74265B-0FBC-7C83-D389-3BB4BB07EF27}"/>
               </a:ext>
             </a:extLst>
           </p:cNvPr>
@@ -438,7 +438,7 @@
           <p:cNvPr id="4" name="Date Placeholder 3">
             <a:extLst>
               <a:ext uri="{FF2B5EF4-FFF2-40B4-BE49-F238E27FC236}">
-                <a16:creationId xmlns:a16="http://schemas.microsoft.com/office/drawing/2014/main" id="{4D8CA705-06DB-9B3F-56F1-B2DB114E56D5}"/>
+                <a16:creationId xmlns:a16="http://schemas.microsoft.com/office/drawing/2014/main" id="{45780A80-99F8-167A-A913-4BE8B15C036D}"/>
               </a:ext>
             </a:extLst>
           </p:cNvPr>
@@ -456,7 +456,7 @@
           <a:p>
             <a:fld id="{D220F1D1-6C19-4F4B-92BA-F04860C94A09}" type="datetimeFigureOut">
               <a:rPr lang="en-CA" smtClean="0"/>
-              <a:t>2023-11-03</a:t>
+              <a:t>2023-11-04</a:t>
             </a:fld>
             <a:endParaRPr lang="en-CA"/>
           </a:p>
@@ -467,7 +467,7 @@
           <p:cNvPr id="5" name="Footer Placeholder 4">
             <a:extLst>
               <a:ext uri="{FF2B5EF4-FFF2-40B4-BE49-F238E27FC236}">
-                <a16:creationId xmlns:a16="http://schemas.microsoft.com/office/drawing/2014/main" id="{371EE0E2-9D68-5D7F-78B0-4EE624B70121}"/>
+                <a16:creationId xmlns:a16="http://schemas.microsoft.com/office/drawing/2014/main" id="{17BE3CC7-6C3F-F29E-2E54-0CFAF531B8E0}"/>
               </a:ext>
             </a:extLst>
           </p:cNvPr>
@@ -483,7 +483,7 @@
           <a:bodyPr/>
           <a:lstStyle/>
           <a:p>
-            <a:endParaRPr lang="en-CA"/>
+            <a:endParaRPr lang="en-CA" dirty="0"/>
           </a:p>
         </p:txBody>
       </p:sp>
@@ -492,7 +492,7 @@
           <p:cNvPr id="6" name="Slide Number Placeholder 5">
             <a:extLst>
               <a:ext uri="{FF2B5EF4-FFF2-40B4-BE49-F238E27FC236}">
-                <a16:creationId xmlns:a16="http://schemas.microsoft.com/office/drawing/2014/main" id="{8ACBA8F7-1421-4DE4-8F8A-9D7EF2EAEC1D}"/>
+                <a16:creationId xmlns:a16="http://schemas.microsoft.com/office/drawing/2014/main" id="{00507D74-D9F5-ECF3-3F6E-28B2ECDC25C3}"/>
               </a:ext>
             </a:extLst>
           </p:cNvPr>
@@ -519,7 +519,7 @@
     </p:spTree>
     <p:extLst>
       <p:ext uri="{BB962C8B-B14F-4D97-AF65-F5344CB8AC3E}">
-        <p14:creationId xmlns:p14="http://schemas.microsoft.com/office/powerpoint/2010/main" val="3258034910"/>
+        <p14:creationId xmlns:p14="http://schemas.microsoft.com/office/powerpoint/2010/main" val="2878514645"/>
       </p:ext>
     </p:extLst>
   </p:cSld>
@@ -551,7 +551,7 @@
           <p:cNvPr id="2" name="Title 1">
             <a:extLst>
               <a:ext uri="{FF2B5EF4-FFF2-40B4-BE49-F238E27FC236}">
-                <a16:creationId xmlns:a16="http://schemas.microsoft.com/office/drawing/2014/main" id="{AE80CCA3-1815-3C91-1C9F-775A18704FEA}"/>
+                <a16:creationId xmlns:a16="http://schemas.microsoft.com/office/drawing/2014/main" id="{CD879E4B-4EE3-79A2-59F4-ECAE0E2223A1}"/>
               </a:ext>
             </a:extLst>
           </p:cNvPr>
@@ -580,7 +580,7 @@
           <p:cNvPr id="3" name="Vertical Text Placeholder 2">
             <a:extLst>
               <a:ext uri="{FF2B5EF4-FFF2-40B4-BE49-F238E27FC236}">
-                <a16:creationId xmlns:a16="http://schemas.microsoft.com/office/drawing/2014/main" id="{A99F98E6-2B2F-1BA3-8301-C540DA046FEB}"/>
+                <a16:creationId xmlns:a16="http://schemas.microsoft.com/office/drawing/2014/main" id="{01E9DD4C-16A6-46B2-8353-F1522890F539}"/>
               </a:ext>
             </a:extLst>
           </p:cNvPr>
@@ -638,7 +638,7 @@
           <p:cNvPr id="4" name="Date Placeholder 3">
             <a:extLst>
               <a:ext uri="{FF2B5EF4-FFF2-40B4-BE49-F238E27FC236}">
-                <a16:creationId xmlns:a16="http://schemas.microsoft.com/office/drawing/2014/main" id="{F9E99BA0-9C08-5A37-A8F6-B28A3256201C}"/>
+                <a16:creationId xmlns:a16="http://schemas.microsoft.com/office/drawing/2014/main" id="{8C83C712-94C6-99EA-CA3C-C1A57DFBDEF2}"/>
               </a:ext>
             </a:extLst>
           </p:cNvPr>
@@ -656,7 +656,7 @@
           <a:p>
             <a:fld id="{D220F1D1-6C19-4F4B-92BA-F04860C94A09}" type="datetimeFigureOut">
               <a:rPr lang="en-CA" smtClean="0"/>
-              <a:t>2023-11-03</a:t>
+              <a:t>2023-11-04</a:t>
             </a:fld>
             <a:endParaRPr lang="en-CA"/>
           </a:p>
@@ -667,7 +667,7 @@
           <p:cNvPr id="5" name="Footer Placeholder 4">
             <a:extLst>
               <a:ext uri="{FF2B5EF4-FFF2-40B4-BE49-F238E27FC236}">
-                <a16:creationId xmlns:a16="http://schemas.microsoft.com/office/drawing/2014/main" id="{5E8C6827-2B24-1A2B-8DFB-9DB6A5C516EC}"/>
+                <a16:creationId xmlns:a16="http://schemas.microsoft.com/office/drawing/2014/main" id="{F28A8B16-2B6C-E23B-0D5E-3E8C55B7B00D}"/>
               </a:ext>
             </a:extLst>
           </p:cNvPr>
@@ -692,7 +692,7 @@
           <p:cNvPr id="6" name="Slide Number Placeholder 5">
             <a:extLst>
               <a:ext uri="{FF2B5EF4-FFF2-40B4-BE49-F238E27FC236}">
-                <a16:creationId xmlns:a16="http://schemas.microsoft.com/office/drawing/2014/main" id="{8DE864BF-1E33-2F26-20E0-31791284D12F}"/>
+                <a16:creationId xmlns:a16="http://schemas.microsoft.com/office/drawing/2014/main" id="{EB3C8F3F-530A-F6E0-4AA4-9FCC23CD770D}"/>
               </a:ext>
             </a:extLst>
           </p:cNvPr>
@@ -719,7 +719,7 @@
     </p:spTree>
     <p:extLst>
       <p:ext uri="{BB962C8B-B14F-4D97-AF65-F5344CB8AC3E}">
-        <p14:creationId xmlns:p14="http://schemas.microsoft.com/office/powerpoint/2010/main" val="2866174112"/>
+        <p14:creationId xmlns:p14="http://schemas.microsoft.com/office/powerpoint/2010/main" val="3684947638"/>
       </p:ext>
     </p:extLst>
   </p:cSld>
@@ -751,7 +751,7 @@
           <p:cNvPr id="2" name="Vertical Title 1">
             <a:extLst>
               <a:ext uri="{FF2B5EF4-FFF2-40B4-BE49-F238E27FC236}">
-                <a16:creationId xmlns:a16="http://schemas.microsoft.com/office/drawing/2014/main" id="{E8470457-456C-0734-40FF-128ACD151C7D}"/>
+                <a16:creationId xmlns:a16="http://schemas.microsoft.com/office/drawing/2014/main" id="{8B5AF7A7-6092-0E8D-D13D-A6C62CDBC2E1}"/>
               </a:ext>
             </a:extLst>
           </p:cNvPr>
@@ -785,7 +785,7 @@
           <p:cNvPr id="3" name="Vertical Text Placeholder 2">
             <a:extLst>
               <a:ext uri="{FF2B5EF4-FFF2-40B4-BE49-F238E27FC236}">
-                <a16:creationId xmlns:a16="http://schemas.microsoft.com/office/drawing/2014/main" id="{0A1AEE30-03C3-ACB5-55CF-5F82BD9D36CE}"/>
+                <a16:creationId xmlns:a16="http://schemas.microsoft.com/office/drawing/2014/main" id="{71ABBC40-AF53-5932-E158-5C715BBA5C6D}"/>
               </a:ext>
             </a:extLst>
           </p:cNvPr>
@@ -848,7 +848,7 @@
           <p:cNvPr id="4" name="Date Placeholder 3">
             <a:extLst>
               <a:ext uri="{FF2B5EF4-FFF2-40B4-BE49-F238E27FC236}">
-                <a16:creationId xmlns:a16="http://schemas.microsoft.com/office/drawing/2014/main" id="{DB8E69FB-D4FA-CE2C-4CEC-244246B53A2F}"/>
+                <a16:creationId xmlns:a16="http://schemas.microsoft.com/office/drawing/2014/main" id="{25230363-5F09-C2A7-8B1D-F227DAF7225A}"/>
               </a:ext>
             </a:extLst>
           </p:cNvPr>
@@ -866,7 +866,7 @@
           <a:p>
             <a:fld id="{D220F1D1-6C19-4F4B-92BA-F04860C94A09}" type="datetimeFigureOut">
               <a:rPr lang="en-CA" smtClean="0"/>
-              <a:t>2023-11-03</a:t>
+              <a:t>2023-11-04</a:t>
             </a:fld>
             <a:endParaRPr lang="en-CA"/>
           </a:p>
@@ -877,7 +877,7 @@
           <p:cNvPr id="5" name="Footer Placeholder 4">
             <a:extLst>
               <a:ext uri="{FF2B5EF4-FFF2-40B4-BE49-F238E27FC236}">
-                <a16:creationId xmlns:a16="http://schemas.microsoft.com/office/drawing/2014/main" id="{AD57E3AB-718F-75CB-4C03-F851093F0685}"/>
+                <a16:creationId xmlns:a16="http://schemas.microsoft.com/office/drawing/2014/main" id="{09D713A1-9956-5D6E-F866-9B96CA838334}"/>
               </a:ext>
             </a:extLst>
           </p:cNvPr>
@@ -902,7 +902,7 @@
           <p:cNvPr id="6" name="Slide Number Placeholder 5">
             <a:extLst>
               <a:ext uri="{FF2B5EF4-FFF2-40B4-BE49-F238E27FC236}">
-                <a16:creationId xmlns:a16="http://schemas.microsoft.com/office/drawing/2014/main" id="{5493030E-E5A5-2FA8-797A-31969BE84EFD}"/>
+                <a16:creationId xmlns:a16="http://schemas.microsoft.com/office/drawing/2014/main" id="{296EF5EB-CC3C-6E4A-76FE-70E494424447}"/>
               </a:ext>
             </a:extLst>
           </p:cNvPr>
@@ -929,7 +929,7 @@
     </p:spTree>
     <p:extLst>
       <p:ext uri="{BB962C8B-B14F-4D97-AF65-F5344CB8AC3E}">
-        <p14:creationId xmlns:p14="http://schemas.microsoft.com/office/powerpoint/2010/main" val="1156724260"/>
+        <p14:creationId xmlns:p14="http://schemas.microsoft.com/office/powerpoint/2010/main" val="2821066146"/>
       </p:ext>
     </p:extLst>
   </p:cSld>
@@ -940,7 +940,7 @@
 </file>
 
 <file path=ppt/slideLayouts/slideLayout2.xml><?xml version="1.0" encoding="utf-8"?>
-<p:sldLayout xmlns:a="http://schemas.openxmlformats.org/drawingml/2006/main" xmlns:r="http://schemas.openxmlformats.org/officeDocument/2006/relationships" xmlns:p="http://schemas.openxmlformats.org/presentationml/2006/main" type="obj" preserve="1">
+<p:sldLayout xmlns:a="http://schemas.openxmlformats.org/drawingml/2006/main" xmlns:r="http://schemas.openxmlformats.org/officeDocument/2006/relationships" xmlns:p="http://schemas.openxmlformats.org/presentationml/2006/main" preserve="1" userDrawn="1">
   <p:cSld name="Title and Content">
     <p:spTree>
       <p:nvGrpSpPr>
@@ -958,39 +958,10 @@
       </p:grpSpPr>
       <p:sp>
         <p:nvSpPr>
-          <p:cNvPr id="2" name="Title 1">
-            <a:extLst>
-              <a:ext uri="{FF2B5EF4-FFF2-40B4-BE49-F238E27FC236}">
-                <a16:creationId xmlns:a16="http://schemas.microsoft.com/office/drawing/2014/main" id="{C13CCE92-8378-7540-8D4A-8D1116926435}"/>
-              </a:ext>
-            </a:extLst>
-          </p:cNvPr>
-          <p:cNvSpPr>
-            <a:spLocks noGrp="1"/>
-          </p:cNvSpPr>
-          <p:nvPr>
-            <p:ph type="title"/>
-          </p:nvPr>
-        </p:nvSpPr>
-        <p:spPr/>
-        <p:txBody>
-          <a:bodyPr/>
-          <a:lstStyle/>
-          <a:p>
-            <a:r>
-              <a:rPr lang="en-US"/>
-              <a:t>Click to edit Master title style</a:t>
-            </a:r>
-            <a:endParaRPr lang="en-CA"/>
-          </a:p>
-        </p:txBody>
-      </p:sp>
-      <p:sp>
-        <p:nvSpPr>
           <p:cNvPr id="3" name="Content Placeholder 2">
             <a:extLst>
               <a:ext uri="{FF2B5EF4-FFF2-40B4-BE49-F238E27FC236}">
-                <a16:creationId xmlns:a16="http://schemas.microsoft.com/office/drawing/2014/main" id="{8062B01C-F3A1-2B05-C811-1440B14EBD02}"/>
+                <a16:creationId xmlns:a16="http://schemas.microsoft.com/office/drawing/2014/main" id="{A367B2C7-D0B7-3462-0EE7-3AE58AD1AA5A}"/>
               </a:ext>
             </a:extLst>
           </p:cNvPr>
@@ -1001,45 +972,76 @@
             <p:ph idx="1"/>
           </p:nvPr>
         </p:nvSpPr>
-        <p:spPr/>
-        <p:txBody>
-          <a:bodyPr/>
-          <a:lstStyle/>
+        <p:spPr>
+          <a:xfrm>
+            <a:off x="3581398" y="601475"/>
+            <a:ext cx="7772403" cy="5655050"/>
+          </a:xfrm>
+        </p:spPr>
+        <p:txBody>
+          <a:bodyPr anchor="ctr"/>
+          <a:lstStyle>
+            <a:lvl1pPr marL="0" indent="0">
+              <a:buFont typeface="+mj-lt"/>
+              <a:buNone/>
+              <a:defRPr/>
+            </a:lvl1pPr>
+            <a:lvl2pPr marL="203400" indent="0">
+              <a:buFont typeface="+mj-lt"/>
+              <a:buNone/>
+              <a:defRPr sz="2000"/>
+            </a:lvl2pPr>
+            <a:lvl3pPr marL="383400" indent="0">
+              <a:buFont typeface="+mj-lt"/>
+              <a:buNone/>
+              <a:defRPr sz="1800"/>
+            </a:lvl3pPr>
+            <a:lvl4pPr marL="563400" indent="0">
+              <a:buFont typeface="+mj-lt"/>
+              <a:buNone/>
+              <a:defRPr sz="1600"/>
+            </a:lvl4pPr>
+            <a:lvl5pPr marL="743400" indent="0">
+              <a:buFont typeface="+mj-lt"/>
+              <a:buNone/>
+              <a:defRPr sz="1400"/>
+            </a:lvl5pPr>
+          </a:lstStyle>
           <a:p>
             <a:pPr lvl="0"/>
             <a:r>
-              <a:rPr lang="en-US"/>
+              <a:rPr lang="en-US" dirty="0"/>
               <a:t>Click to edit Master text styles</a:t>
             </a:r>
           </a:p>
           <a:p>
             <a:pPr lvl="1"/>
             <a:r>
-              <a:rPr lang="en-US"/>
+              <a:rPr lang="en-US" dirty="0"/>
               <a:t>Second level</a:t>
             </a:r>
           </a:p>
           <a:p>
             <a:pPr lvl="2"/>
             <a:r>
-              <a:rPr lang="en-US"/>
+              <a:rPr lang="en-US" dirty="0"/>
               <a:t>Third level</a:t>
             </a:r>
           </a:p>
           <a:p>
             <a:pPr lvl="3"/>
             <a:r>
-              <a:rPr lang="en-US"/>
+              <a:rPr lang="en-US" dirty="0"/>
               <a:t>Fourth level</a:t>
             </a:r>
           </a:p>
           <a:p>
             <a:pPr lvl="4"/>
             <a:r>
-              <a:rPr lang="en-US"/>
+              <a:rPr lang="en-US" dirty="0"/>
               <a:t>Fifth level</a:t>
             </a:r>
-            <a:endParaRPr lang="en-CA"/>
+            <a:endParaRPr lang="en-CA" dirty="0"/>
           </a:p>
         </p:txBody>
       </p:sp>
@@ -1048,7 +1050,7 @@
           <p:cNvPr id="4" name="Date Placeholder 3">
             <a:extLst>
               <a:ext uri="{FF2B5EF4-FFF2-40B4-BE49-F238E27FC236}">
-                <a16:creationId xmlns:a16="http://schemas.microsoft.com/office/drawing/2014/main" id="{702F8D3D-523C-415B-969E-2BABE38B51C6}"/>
+                <a16:creationId xmlns:a16="http://schemas.microsoft.com/office/drawing/2014/main" id="{04536BC9-5B0F-BE1B-8458-884A208E899F}"/>
               </a:ext>
             </a:extLst>
           </p:cNvPr>
@@ -1059,14 +1061,19 @@
             <p:ph type="dt" sz="half" idx="10"/>
           </p:nvPr>
         </p:nvSpPr>
-        <p:spPr/>
+        <p:spPr>
+          <a:xfrm>
+            <a:off x="838198" y="6357600"/>
+            <a:ext cx="2743200" cy="363600"/>
+          </a:xfrm>
+        </p:spPr>
         <p:txBody>
           <a:bodyPr/>
           <a:lstStyle/>
           <a:p>
             <a:fld id="{D220F1D1-6C19-4F4B-92BA-F04860C94A09}" type="datetimeFigureOut">
               <a:rPr lang="en-CA" smtClean="0"/>
-              <a:t>2023-11-03</a:t>
+              <a:t>2023-11-04</a:t>
             </a:fld>
             <a:endParaRPr lang="en-CA"/>
           </a:p>
@@ -1077,7 +1084,7 @@
           <p:cNvPr id="5" name="Footer Placeholder 4">
             <a:extLst>
               <a:ext uri="{FF2B5EF4-FFF2-40B4-BE49-F238E27FC236}">
-                <a16:creationId xmlns:a16="http://schemas.microsoft.com/office/drawing/2014/main" id="{8F0F4010-B399-0744-6276-1A0896DD949B}"/>
+                <a16:creationId xmlns:a16="http://schemas.microsoft.com/office/drawing/2014/main" id="{58F21C93-D4F0-E692-5F9C-2E1182D81ED8}"/>
               </a:ext>
             </a:extLst>
           </p:cNvPr>
@@ -1088,12 +1095,17 @@
             <p:ph type="ftr" sz="quarter" idx="11"/>
           </p:nvPr>
         </p:nvSpPr>
-        <p:spPr/>
-        <p:txBody>
-          <a:bodyPr/>
-          <a:lstStyle/>
-          <a:p>
-            <a:endParaRPr lang="en-CA"/>
+        <p:spPr>
+          <a:xfrm>
+            <a:off x="5410199" y="6357600"/>
+            <a:ext cx="4114800" cy="363600"/>
+          </a:xfrm>
+        </p:spPr>
+        <p:txBody>
+          <a:bodyPr/>
+          <a:lstStyle/>
+          <a:p>
+            <a:endParaRPr lang="en-CA" dirty="0"/>
           </a:p>
         </p:txBody>
       </p:sp>
@@ -1102,7 +1114,7 @@
           <p:cNvPr id="6" name="Slide Number Placeholder 5">
             <a:extLst>
               <a:ext uri="{FF2B5EF4-FFF2-40B4-BE49-F238E27FC236}">
-                <a16:creationId xmlns:a16="http://schemas.microsoft.com/office/drawing/2014/main" id="{B59F22C0-E988-5263-AFC9-FC54ABF2E4A4}"/>
+                <a16:creationId xmlns:a16="http://schemas.microsoft.com/office/drawing/2014/main" id="{30E14862-16CD-4A62-CFF2-0080CA17FCD0}"/>
               </a:ext>
             </a:extLst>
           </p:cNvPr>
@@ -1113,7 +1125,12 @@
             <p:ph type="sldNum" sz="quarter" idx="12"/>
           </p:nvPr>
         </p:nvSpPr>
-        <p:spPr/>
+        <p:spPr>
+          <a:xfrm>
+            <a:off x="10633800" y="6357600"/>
+            <a:ext cx="720000" cy="363600"/>
+          </a:xfrm>
+        </p:spPr>
         <p:txBody>
           <a:bodyPr/>
           <a:lstStyle/>
@@ -1126,10 +1143,51 @@
           </a:p>
         </p:txBody>
       </p:sp>
+      <p:sp>
+        <p:nvSpPr>
+          <p:cNvPr id="7" name="Title 6">
+            <a:extLst>
+              <a:ext uri="{FF2B5EF4-FFF2-40B4-BE49-F238E27FC236}">
+                <a16:creationId xmlns:a16="http://schemas.microsoft.com/office/drawing/2014/main" id="{F02827BB-B147-91A8-A11D-8671041754F2}"/>
+              </a:ext>
+            </a:extLst>
+          </p:cNvPr>
+          <p:cNvSpPr>
+            <a:spLocks noGrp="1"/>
+          </p:cNvSpPr>
+          <p:nvPr>
+            <p:ph type="title"/>
+          </p:nvPr>
+        </p:nvSpPr>
+        <p:spPr>
+          <a:xfrm>
+            <a:off x="838199" y="601475"/>
+            <a:ext cx="2743200" cy="5655050"/>
+          </a:xfrm>
+          <a:noFill/>
+        </p:spPr>
+        <p:txBody>
+          <a:bodyPr>
+            <a:normAutofit/>
+          </a:bodyPr>
+          <a:lstStyle>
+            <a:lvl1pPr algn="ctr">
+              <a:defRPr sz="3200"/>
+            </a:lvl1pPr>
+          </a:lstStyle>
+          <a:p>
+            <a:r>
+              <a:rPr lang="en-US" dirty="0"/>
+              <a:t>Click to edit Master title style</a:t>
+            </a:r>
+            <a:endParaRPr lang="en-CA" dirty="0"/>
+          </a:p>
+        </p:txBody>
+      </p:sp>
     </p:spTree>
     <p:extLst>
       <p:ext uri="{BB962C8B-B14F-4D97-AF65-F5344CB8AC3E}">
-        <p14:creationId xmlns:p14="http://schemas.microsoft.com/office/powerpoint/2010/main" val="1484349906"/>
+        <p14:creationId xmlns:p14="http://schemas.microsoft.com/office/powerpoint/2010/main" val="524129337"/>
       </p:ext>
     </p:extLst>
   </p:cSld>
@@ -1161,7 +1219,7 @@
           <p:cNvPr id="2" name="Title 1">
             <a:extLst>
               <a:ext uri="{FF2B5EF4-FFF2-40B4-BE49-F238E27FC236}">
-                <a16:creationId xmlns:a16="http://schemas.microsoft.com/office/drawing/2014/main" id="{6211C712-6110-2886-2DCD-9EAEDFC44DE8}"/>
+                <a16:creationId xmlns:a16="http://schemas.microsoft.com/office/drawing/2014/main" id="{B7D6229C-9EC1-B4DF-6AA1-3C33BB039AC8}"/>
               </a:ext>
             </a:extLst>
           </p:cNvPr>
@@ -1199,7 +1257,7 @@
           <p:cNvPr id="3" name="Text Placeholder 2">
             <a:extLst>
               <a:ext uri="{FF2B5EF4-FFF2-40B4-BE49-F238E27FC236}">
-                <a16:creationId xmlns:a16="http://schemas.microsoft.com/office/drawing/2014/main" id="{08BC6D4A-CDC2-7F0C-9BD4-DEF8E9390110}"/>
+                <a16:creationId xmlns:a16="http://schemas.microsoft.com/office/drawing/2014/main" id="{B9CA5EC7-7790-2323-1022-8215E41AF88E}"/>
               </a:ext>
             </a:extLst>
           </p:cNvPr>
@@ -1324,7 +1382,7 @@
           <p:cNvPr id="4" name="Date Placeholder 3">
             <a:extLst>
               <a:ext uri="{FF2B5EF4-FFF2-40B4-BE49-F238E27FC236}">
-                <a16:creationId xmlns:a16="http://schemas.microsoft.com/office/drawing/2014/main" id="{87FBA686-02F3-FF88-B657-3442B1B18C18}"/>
+                <a16:creationId xmlns:a16="http://schemas.microsoft.com/office/drawing/2014/main" id="{AE864F5D-D314-BB1C-31ED-30D6E37101AB}"/>
               </a:ext>
             </a:extLst>
           </p:cNvPr>
@@ -1342,7 +1400,7 @@
           <a:p>
             <a:fld id="{D220F1D1-6C19-4F4B-92BA-F04860C94A09}" type="datetimeFigureOut">
               <a:rPr lang="en-CA" smtClean="0"/>
-              <a:t>2023-11-03</a:t>
+              <a:t>2023-11-04</a:t>
             </a:fld>
             <a:endParaRPr lang="en-CA"/>
           </a:p>
@@ -1353,7 +1411,7 @@
           <p:cNvPr id="5" name="Footer Placeholder 4">
             <a:extLst>
               <a:ext uri="{FF2B5EF4-FFF2-40B4-BE49-F238E27FC236}">
-                <a16:creationId xmlns:a16="http://schemas.microsoft.com/office/drawing/2014/main" id="{51BB74DD-04F0-920A-5526-5684FC860E6C}"/>
+                <a16:creationId xmlns:a16="http://schemas.microsoft.com/office/drawing/2014/main" id="{2C07EF38-59D6-A47C-0498-AA19A57D04EA}"/>
               </a:ext>
             </a:extLst>
           </p:cNvPr>
@@ -1378,7 +1436,7 @@
           <p:cNvPr id="6" name="Slide Number Placeholder 5">
             <a:extLst>
               <a:ext uri="{FF2B5EF4-FFF2-40B4-BE49-F238E27FC236}">
-                <a16:creationId xmlns:a16="http://schemas.microsoft.com/office/drawing/2014/main" id="{87BD9822-5FD4-B8D3-664D-ACA7C3BAD0AD}"/>
+                <a16:creationId xmlns:a16="http://schemas.microsoft.com/office/drawing/2014/main" id="{AD8E0377-3617-7F2B-EC9C-6EE4BAD2E0BD}"/>
               </a:ext>
             </a:extLst>
           </p:cNvPr>
@@ -1405,7 +1463,7 @@
     </p:spTree>
     <p:extLst>
       <p:ext uri="{BB962C8B-B14F-4D97-AF65-F5344CB8AC3E}">
-        <p14:creationId xmlns:p14="http://schemas.microsoft.com/office/powerpoint/2010/main" val="208464216"/>
+        <p14:creationId xmlns:p14="http://schemas.microsoft.com/office/powerpoint/2010/main" val="3630619128"/>
       </p:ext>
     </p:extLst>
   </p:cSld>
@@ -1437,7 +1495,7 @@
           <p:cNvPr id="2" name="Title 1">
             <a:extLst>
               <a:ext uri="{FF2B5EF4-FFF2-40B4-BE49-F238E27FC236}">
-                <a16:creationId xmlns:a16="http://schemas.microsoft.com/office/drawing/2014/main" id="{57564C08-03DF-B9AC-09A2-8B5A58AB7EE4}"/>
+                <a16:creationId xmlns:a16="http://schemas.microsoft.com/office/drawing/2014/main" id="{BF7BD286-86DA-3C20-9DA6-B70B167BC403}"/>
               </a:ext>
             </a:extLst>
           </p:cNvPr>
@@ -1446,144 +1504,187 @@
           </p:cNvSpPr>
           <p:nvPr>
             <p:ph type="title"/>
-          </p:nvPr>
-        </p:nvSpPr>
-        <p:spPr/>
-        <p:txBody>
-          <a:bodyPr/>
-          <a:lstStyle/>
-          <a:p>
-            <a:r>
-              <a:rPr lang="en-US"/>
-              <a:t>Click to edit Master title style</a:t>
-            </a:r>
-            <a:endParaRPr lang="en-CA"/>
-          </a:p>
-        </p:txBody>
-      </p:sp>
-      <p:sp>
-        <p:nvSpPr>
-          <p:cNvPr id="3" name="Content Placeholder 2">
-            <a:extLst>
-              <a:ext uri="{FF2B5EF4-FFF2-40B4-BE49-F238E27FC236}">
-                <a16:creationId xmlns:a16="http://schemas.microsoft.com/office/drawing/2014/main" id="{8607BBB4-0AD8-781A-DC6B-E6619B8CF9DD}"/>
-              </a:ext>
-            </a:extLst>
-          </p:cNvPr>
-          <p:cNvSpPr>
-            <a:spLocks noGrp="1"/>
-          </p:cNvSpPr>
-          <p:nvPr>
-            <p:ph sz="half" idx="1"/>
           </p:nvPr>
         </p:nvSpPr>
         <p:spPr>
           <a:xfrm>
-            <a:off x="838200" y="1825625"/>
-            <a:ext cx="5181600" cy="4351338"/>
+            <a:off x="838199" y="600925"/>
+            <a:ext cx="2743198" cy="1833813"/>
           </a:xfrm>
         </p:spPr>
         <p:txBody>
-          <a:bodyPr/>
-          <a:lstStyle/>
-          <a:p>
-            <a:pPr lvl="0"/>
-            <a:r>
-              <a:rPr lang="en-US"/>
-              <a:t>Click to edit Master text styles</a:t>
-            </a:r>
-          </a:p>
-          <a:p>
-            <a:pPr lvl="1"/>
-            <a:r>
-              <a:rPr lang="en-US"/>
-              <a:t>Second level</a:t>
-            </a:r>
-          </a:p>
-          <a:p>
-            <a:pPr lvl="2"/>
-            <a:r>
-              <a:rPr lang="en-US"/>
-              <a:t>Third level</a:t>
-            </a:r>
-          </a:p>
-          <a:p>
-            <a:pPr lvl="3"/>
-            <a:r>
-              <a:rPr lang="en-US"/>
-              <a:t>Fourth level</a:t>
-            </a:r>
-          </a:p>
-          <a:p>
-            <a:pPr lvl="4"/>
-            <a:r>
-              <a:rPr lang="en-US"/>
-              <a:t>Fifth level</a:t>
-            </a:r>
-            <a:endParaRPr lang="en-CA"/>
-          </a:p>
-        </p:txBody>
-      </p:sp>
-      <p:sp>
-        <p:nvSpPr>
-          <p:cNvPr id="4" name="Content Placeholder 3">
-            <a:extLst>
-              <a:ext uri="{FF2B5EF4-FFF2-40B4-BE49-F238E27FC236}">
-                <a16:creationId xmlns:a16="http://schemas.microsoft.com/office/drawing/2014/main" id="{23C002F1-32E9-2EB4-0CE2-18A2EEAFCF31}"/>
-              </a:ext>
-            </a:extLst>
-          </p:cNvPr>
-          <p:cNvSpPr>
-            <a:spLocks noGrp="1"/>
-          </p:cNvSpPr>
-          <p:nvPr>
-            <p:ph sz="half" idx="2"/>
+          <a:bodyPr>
+            <a:normAutofit/>
+          </a:bodyPr>
+          <a:lstStyle>
+            <a:lvl1pPr algn="l">
+              <a:defRPr sz="3600"/>
+            </a:lvl1pPr>
+          </a:lstStyle>
+          <a:p>
+            <a:r>
+              <a:rPr lang="en-US" dirty="0"/>
+              <a:t>Click to edit Master title style</a:t>
+            </a:r>
+            <a:endParaRPr lang="en-CA" dirty="0"/>
+          </a:p>
+        </p:txBody>
+      </p:sp>
+      <p:sp>
+        <p:nvSpPr>
+          <p:cNvPr id="3" name="Content Placeholder 2">
+            <a:extLst>
+              <a:ext uri="{FF2B5EF4-FFF2-40B4-BE49-F238E27FC236}">
+                <a16:creationId xmlns:a16="http://schemas.microsoft.com/office/drawing/2014/main" id="{9D4068E3-1E58-A8AA-52B1-F8A5DD7A9766}"/>
+              </a:ext>
+            </a:extLst>
+          </p:cNvPr>
+          <p:cNvSpPr>
+            <a:spLocks noGrp="1"/>
+          </p:cNvSpPr>
+          <p:nvPr>
+            <p:ph sz="half" idx="1"/>
           </p:nvPr>
         </p:nvSpPr>
         <p:spPr>
           <a:xfrm>
-            <a:off x="6172200" y="1825625"/>
-            <a:ext cx="5181600" cy="4351338"/>
+            <a:off x="838199" y="2435289"/>
+            <a:ext cx="2743199" cy="3821235"/>
           </a:xfrm>
         </p:spPr>
         <p:txBody>
-          <a:bodyPr/>
-          <a:lstStyle/>
+          <a:bodyPr anchor="ctr"/>
+          <a:lstStyle>
+            <a:lvl1pPr indent="-156600">
+              <a:defRPr sz="2000"/>
+            </a:lvl1pPr>
+            <a:lvl2pPr marL="361800" indent="-156600">
+              <a:defRPr sz="1800"/>
+            </a:lvl2pPr>
+            <a:lvl3pPr marL="540000" indent="-156600">
+              <a:defRPr sz="1600"/>
+            </a:lvl3pPr>
+            <a:lvl4pPr marL="720000" indent="-156600">
+              <a:defRPr sz="1400"/>
+            </a:lvl4pPr>
+            <a:lvl5pPr marL="900000" indent="-156600">
+              <a:defRPr sz="1200"/>
+            </a:lvl5pPr>
+          </a:lstStyle>
           <a:p>
             <a:pPr lvl="0"/>
             <a:r>
-              <a:rPr lang="en-US"/>
+              <a:rPr lang="en-US" dirty="0"/>
               <a:t>Click to edit Master text styles</a:t>
             </a:r>
           </a:p>
           <a:p>
             <a:pPr lvl="1"/>
             <a:r>
-              <a:rPr lang="en-US"/>
+              <a:rPr lang="en-US" dirty="0"/>
               <a:t>Second level</a:t>
             </a:r>
           </a:p>
           <a:p>
             <a:pPr lvl="2"/>
             <a:r>
-              <a:rPr lang="en-US"/>
+              <a:rPr lang="en-US" dirty="0"/>
               <a:t>Third level</a:t>
             </a:r>
           </a:p>
           <a:p>
             <a:pPr lvl="3"/>
             <a:r>
-              <a:rPr lang="en-US"/>
+              <a:rPr lang="en-US" dirty="0"/>
               <a:t>Fourth level</a:t>
             </a:r>
           </a:p>
           <a:p>
             <a:pPr lvl="4"/>
             <a:r>
-              <a:rPr lang="en-US"/>
+              <a:rPr lang="en-US" dirty="0"/>
               <a:t>Fifth level</a:t>
             </a:r>
-            <a:endParaRPr lang="en-CA"/>
+            <a:endParaRPr lang="en-CA" dirty="0"/>
+          </a:p>
+        </p:txBody>
+      </p:sp>
+      <p:sp>
+        <p:nvSpPr>
+          <p:cNvPr id="4" name="Content Placeholder 3">
+            <a:extLst>
+              <a:ext uri="{FF2B5EF4-FFF2-40B4-BE49-F238E27FC236}">
+                <a16:creationId xmlns:a16="http://schemas.microsoft.com/office/drawing/2014/main" id="{54939CD7-8F7A-4839-08CA-88ABDA5C30AC}"/>
+              </a:ext>
+            </a:extLst>
+          </p:cNvPr>
+          <p:cNvSpPr>
+            <a:spLocks noGrp="1"/>
+          </p:cNvSpPr>
+          <p:nvPr>
+            <p:ph sz="half" idx="2"/>
+          </p:nvPr>
+        </p:nvSpPr>
+        <p:spPr>
+          <a:xfrm>
+            <a:off x="3581398" y="601475"/>
+            <a:ext cx="7772400" cy="5655600"/>
+          </a:xfrm>
+        </p:spPr>
+        <p:txBody>
+          <a:bodyPr anchor="ctr"/>
+          <a:lstStyle>
+            <a:lvl1pPr indent="-156600">
+              <a:defRPr/>
+            </a:lvl1pPr>
+            <a:lvl2pPr marL="361800" indent="-156600">
+              <a:defRPr/>
+            </a:lvl2pPr>
+            <a:lvl3pPr marL="540000" indent="-156600">
+              <a:defRPr/>
+            </a:lvl3pPr>
+            <a:lvl4pPr marL="720000" indent="-156600">
+              <a:defRPr/>
+            </a:lvl4pPr>
+            <a:lvl5pPr marL="900000" indent="-156600">
+              <a:defRPr/>
+            </a:lvl5pPr>
+          </a:lstStyle>
+          <a:p>
+            <a:pPr lvl="0"/>
+            <a:r>
+              <a:rPr lang="en-US" dirty="0"/>
+              <a:t>Click to edit Master text styles</a:t>
+            </a:r>
+          </a:p>
+          <a:p>
+            <a:pPr lvl="1"/>
+            <a:r>
+              <a:rPr lang="en-US" dirty="0"/>
+              <a:t>Second level</a:t>
+            </a:r>
+          </a:p>
+          <a:p>
+            <a:pPr lvl="2"/>
+            <a:r>
+              <a:rPr lang="en-US" dirty="0"/>
+              <a:t>Third level</a:t>
+            </a:r>
+          </a:p>
+          <a:p>
+            <a:pPr lvl="3"/>
+            <a:r>
+              <a:rPr lang="en-US" dirty="0"/>
+              <a:t>Fourth level</a:t>
+            </a:r>
+          </a:p>
+          <a:p>
+            <a:pPr lvl="4"/>
+            <a:r>
+              <a:rPr lang="en-US" dirty="0"/>
+              <a:t>Fifth level</a:t>
+            </a:r>
+            <a:endParaRPr lang="en-CA" dirty="0"/>
           </a:p>
         </p:txBody>
       </p:sp>
@@ -1592,7 +1693,7 @@
           <p:cNvPr id="5" name="Date Placeholder 4">
             <a:extLst>
               <a:ext uri="{FF2B5EF4-FFF2-40B4-BE49-F238E27FC236}">
-                <a16:creationId xmlns:a16="http://schemas.microsoft.com/office/drawing/2014/main" id="{F8806D1C-FC7E-ACE8-E5B7-3B0FD373F62A}"/>
+                <a16:creationId xmlns:a16="http://schemas.microsoft.com/office/drawing/2014/main" id="{16B59EA5-77E4-7FD8-EC61-65F0A858221D}"/>
               </a:ext>
             </a:extLst>
           </p:cNvPr>
@@ -1603,14 +1704,19 @@
             <p:ph type="dt" sz="half" idx="10"/>
           </p:nvPr>
         </p:nvSpPr>
-        <p:spPr/>
+        <p:spPr>
+          <a:xfrm>
+            <a:off x="838197" y="6356792"/>
+            <a:ext cx="2743200" cy="365125"/>
+          </a:xfrm>
+        </p:spPr>
         <p:txBody>
           <a:bodyPr/>
           <a:lstStyle/>
           <a:p>
             <a:fld id="{D220F1D1-6C19-4F4B-92BA-F04860C94A09}" type="datetimeFigureOut">
               <a:rPr lang="en-CA" smtClean="0"/>
-              <a:t>2023-11-03</a:t>
+              <a:t>2023-11-04</a:t>
             </a:fld>
             <a:endParaRPr lang="en-CA"/>
           </a:p>
@@ -1621,7 +1727,7 @@
           <p:cNvPr id="6" name="Footer Placeholder 5">
             <a:extLst>
               <a:ext uri="{FF2B5EF4-FFF2-40B4-BE49-F238E27FC236}">
-                <a16:creationId xmlns:a16="http://schemas.microsoft.com/office/drawing/2014/main" id="{DA579345-B782-2A42-DCCD-CC10466C6A9F}"/>
+                <a16:creationId xmlns:a16="http://schemas.microsoft.com/office/drawing/2014/main" id="{7AE4789C-E1AB-E19E-DF49-46E89AA06564}"/>
               </a:ext>
             </a:extLst>
           </p:cNvPr>
@@ -1632,7 +1738,12 @@
             <p:ph type="ftr" sz="quarter" idx="11"/>
           </p:nvPr>
         </p:nvSpPr>
-        <p:spPr/>
+        <p:spPr>
+          <a:xfrm>
+            <a:off x="5410198" y="6356791"/>
+            <a:ext cx="4114800" cy="365125"/>
+          </a:xfrm>
+        </p:spPr>
         <p:txBody>
           <a:bodyPr/>
           <a:lstStyle/>
@@ -1646,7 +1757,7 @@
           <p:cNvPr id="7" name="Slide Number Placeholder 6">
             <a:extLst>
               <a:ext uri="{FF2B5EF4-FFF2-40B4-BE49-F238E27FC236}">
-                <a16:creationId xmlns:a16="http://schemas.microsoft.com/office/drawing/2014/main" id="{83067771-2A65-9948-B35C-DF70374804CB}"/>
+                <a16:creationId xmlns:a16="http://schemas.microsoft.com/office/drawing/2014/main" id="{CEB77ADF-1A97-A225-C3E4-89B3399F193E}"/>
               </a:ext>
             </a:extLst>
           </p:cNvPr>
@@ -1657,7 +1768,12 @@
             <p:ph type="sldNum" sz="quarter" idx="12"/>
           </p:nvPr>
         </p:nvSpPr>
-        <p:spPr/>
+        <p:spPr>
+          <a:xfrm>
+            <a:off x="10633798" y="6356790"/>
+            <a:ext cx="720000" cy="365125"/>
+          </a:xfrm>
+        </p:spPr>
         <p:txBody>
           <a:bodyPr/>
           <a:lstStyle/>
@@ -1673,7 +1789,7 @@
     </p:spTree>
     <p:extLst>
       <p:ext uri="{BB962C8B-B14F-4D97-AF65-F5344CB8AC3E}">
-        <p14:creationId xmlns:p14="http://schemas.microsoft.com/office/powerpoint/2010/main" val="3442919968"/>
+        <p14:creationId xmlns:p14="http://schemas.microsoft.com/office/powerpoint/2010/main" val="140995648"/>
       </p:ext>
     </p:extLst>
   </p:cSld>
@@ -1705,7 +1821,7 @@
           <p:cNvPr id="2" name="Title 1">
             <a:extLst>
               <a:ext uri="{FF2B5EF4-FFF2-40B4-BE49-F238E27FC236}">
-                <a16:creationId xmlns:a16="http://schemas.microsoft.com/office/drawing/2014/main" id="{0D4E3F01-21F9-1EF2-92B2-DCEA2A85C280}"/>
+                <a16:creationId xmlns:a16="http://schemas.microsoft.com/office/drawing/2014/main" id="{76C95BC3-3E43-2C27-EB2A-1CBD1F516ADA}"/>
               </a:ext>
             </a:extLst>
           </p:cNvPr>
@@ -1739,7 +1855,7 @@
           <p:cNvPr id="3" name="Text Placeholder 2">
             <a:extLst>
               <a:ext uri="{FF2B5EF4-FFF2-40B4-BE49-F238E27FC236}">
-                <a16:creationId xmlns:a16="http://schemas.microsoft.com/office/drawing/2014/main" id="{F61A54AD-AEC2-4C37-EF8C-81A3BB5E5983}"/>
+                <a16:creationId xmlns:a16="http://schemas.microsoft.com/office/drawing/2014/main" id="{E6E65C75-F7CE-9FB7-0935-38472B711881}"/>
               </a:ext>
             </a:extLst>
           </p:cNvPr>
@@ -1810,7 +1926,7 @@
           <p:cNvPr id="4" name="Content Placeholder 3">
             <a:extLst>
               <a:ext uri="{FF2B5EF4-FFF2-40B4-BE49-F238E27FC236}">
-                <a16:creationId xmlns:a16="http://schemas.microsoft.com/office/drawing/2014/main" id="{13B36D8F-53D5-5246-A5DB-77F722E695C5}"/>
+                <a16:creationId xmlns:a16="http://schemas.microsoft.com/office/drawing/2014/main" id="{BDB3F2D6-EE67-DC43-C741-37BF8048FE1D}"/>
               </a:ext>
             </a:extLst>
           </p:cNvPr>
@@ -1833,38 +1949,38 @@
           <a:p>
             <a:pPr lvl="0"/>
             <a:r>
-              <a:rPr lang="en-US"/>
+              <a:rPr lang="en-US" dirty="0"/>
               <a:t>Click to edit Master text styles</a:t>
             </a:r>
           </a:p>
           <a:p>
             <a:pPr lvl="1"/>
             <a:r>
-              <a:rPr lang="en-US"/>
+              <a:rPr lang="en-US" dirty="0"/>
               <a:t>Second level</a:t>
             </a:r>
           </a:p>
           <a:p>
             <a:pPr lvl="2"/>
             <a:r>
-              <a:rPr lang="en-US"/>
+              <a:rPr lang="en-US" dirty="0"/>
               <a:t>Third level</a:t>
             </a:r>
           </a:p>
           <a:p>
             <a:pPr lvl="3"/>
             <a:r>
-              <a:rPr lang="en-US"/>
+              <a:rPr lang="en-US" dirty="0"/>
               <a:t>Fourth level</a:t>
             </a:r>
           </a:p>
           <a:p>
             <a:pPr lvl="4"/>
             <a:r>
-              <a:rPr lang="en-US"/>
+              <a:rPr lang="en-US" dirty="0"/>
               <a:t>Fifth level</a:t>
             </a:r>
-            <a:endParaRPr lang="en-CA"/>
+            <a:endParaRPr lang="en-CA" dirty="0"/>
           </a:p>
         </p:txBody>
       </p:sp>
@@ -1873,7 +1989,7 @@
           <p:cNvPr id="5" name="Text Placeholder 4">
             <a:extLst>
               <a:ext uri="{FF2B5EF4-FFF2-40B4-BE49-F238E27FC236}">
-                <a16:creationId xmlns:a16="http://schemas.microsoft.com/office/drawing/2014/main" id="{67A71E95-BA51-5ED7-878B-05414C7F01CA}"/>
+                <a16:creationId xmlns:a16="http://schemas.microsoft.com/office/drawing/2014/main" id="{D452181D-6F47-1C8A-7597-280CAC9CF34F}"/>
               </a:ext>
             </a:extLst>
           </p:cNvPr>
@@ -1944,7 +2060,7 @@
           <p:cNvPr id="6" name="Content Placeholder 5">
             <a:extLst>
               <a:ext uri="{FF2B5EF4-FFF2-40B4-BE49-F238E27FC236}">
-                <a16:creationId xmlns:a16="http://schemas.microsoft.com/office/drawing/2014/main" id="{7637AD9B-812F-7D05-5297-0E1E8C1AF357}"/>
+                <a16:creationId xmlns:a16="http://schemas.microsoft.com/office/drawing/2014/main" id="{8538F172-1D14-1BC9-9AC9-B2964F4C0A22}"/>
               </a:ext>
             </a:extLst>
           </p:cNvPr>
@@ -2007,7 +2123,7 @@
           <p:cNvPr id="7" name="Date Placeholder 6">
             <a:extLst>
               <a:ext uri="{FF2B5EF4-FFF2-40B4-BE49-F238E27FC236}">
-                <a16:creationId xmlns:a16="http://schemas.microsoft.com/office/drawing/2014/main" id="{D74F2CE6-ACE8-A512-239E-76B91DC9C94A}"/>
+                <a16:creationId xmlns:a16="http://schemas.microsoft.com/office/drawing/2014/main" id="{3ABDAC39-D230-F454-96DF-C157490D242F}"/>
               </a:ext>
             </a:extLst>
           </p:cNvPr>
@@ -2025,7 +2141,7 @@
           <a:p>
             <a:fld id="{D220F1D1-6C19-4F4B-92BA-F04860C94A09}" type="datetimeFigureOut">
               <a:rPr lang="en-CA" smtClean="0"/>
-              <a:t>2023-11-03</a:t>
+              <a:t>2023-11-04</a:t>
             </a:fld>
             <a:endParaRPr lang="en-CA"/>
           </a:p>
@@ -2036,7 +2152,7 @@
           <p:cNvPr id="8" name="Footer Placeholder 7">
             <a:extLst>
               <a:ext uri="{FF2B5EF4-FFF2-40B4-BE49-F238E27FC236}">
-                <a16:creationId xmlns:a16="http://schemas.microsoft.com/office/drawing/2014/main" id="{DD29F597-49E8-556A-9472-4431A56EF25C}"/>
+                <a16:creationId xmlns:a16="http://schemas.microsoft.com/office/drawing/2014/main" id="{84C98BC2-FA26-80C0-B25A-C95B20928F2D}"/>
               </a:ext>
             </a:extLst>
           </p:cNvPr>
@@ -2061,7 +2177,7 @@
           <p:cNvPr id="9" name="Slide Number Placeholder 8">
             <a:extLst>
               <a:ext uri="{FF2B5EF4-FFF2-40B4-BE49-F238E27FC236}">
-                <a16:creationId xmlns:a16="http://schemas.microsoft.com/office/drawing/2014/main" id="{4D08B1DD-53F4-D377-FF12-D6328B8EA82F}"/>
+                <a16:creationId xmlns:a16="http://schemas.microsoft.com/office/drawing/2014/main" id="{29B42E2A-22FC-C20E-76EA-5589F6A5E1A9}"/>
               </a:ext>
             </a:extLst>
           </p:cNvPr>
@@ -2088,7 +2204,7 @@
     </p:spTree>
     <p:extLst>
       <p:ext uri="{BB962C8B-B14F-4D97-AF65-F5344CB8AC3E}">
-        <p14:creationId xmlns:p14="http://schemas.microsoft.com/office/powerpoint/2010/main" val="3640717275"/>
+        <p14:creationId xmlns:p14="http://schemas.microsoft.com/office/powerpoint/2010/main" val="153180875"/>
       </p:ext>
     </p:extLst>
   </p:cSld>
@@ -2120,7 +2236,7 @@
           <p:cNvPr id="2" name="Title 1">
             <a:extLst>
               <a:ext uri="{FF2B5EF4-FFF2-40B4-BE49-F238E27FC236}">
-                <a16:creationId xmlns:a16="http://schemas.microsoft.com/office/drawing/2014/main" id="{9DA7F652-D13A-6316-8E47-AE023FD699B5}"/>
+                <a16:creationId xmlns:a16="http://schemas.microsoft.com/office/drawing/2014/main" id="{3A408124-9E0F-83FE-D119-2063FF7941FA}"/>
               </a:ext>
             </a:extLst>
           </p:cNvPr>
@@ -2149,7 +2265,7 @@
           <p:cNvPr id="3" name="Date Placeholder 2">
             <a:extLst>
               <a:ext uri="{FF2B5EF4-FFF2-40B4-BE49-F238E27FC236}">
-                <a16:creationId xmlns:a16="http://schemas.microsoft.com/office/drawing/2014/main" id="{B888C3A2-1719-35B1-2802-B13E574B7E10}"/>
+                <a16:creationId xmlns:a16="http://schemas.microsoft.com/office/drawing/2014/main" id="{4FE9205A-A8B6-D2D1-E85F-736CD3F3E368}"/>
               </a:ext>
             </a:extLst>
           </p:cNvPr>
@@ -2167,7 +2283,7 @@
           <a:p>
             <a:fld id="{D220F1D1-6C19-4F4B-92BA-F04860C94A09}" type="datetimeFigureOut">
               <a:rPr lang="en-CA" smtClean="0"/>
-              <a:t>2023-11-03</a:t>
+              <a:t>2023-11-04</a:t>
             </a:fld>
             <a:endParaRPr lang="en-CA"/>
           </a:p>
@@ -2178,7 +2294,7 @@
           <p:cNvPr id="4" name="Footer Placeholder 3">
             <a:extLst>
               <a:ext uri="{FF2B5EF4-FFF2-40B4-BE49-F238E27FC236}">
-                <a16:creationId xmlns:a16="http://schemas.microsoft.com/office/drawing/2014/main" id="{672D862A-1DD9-5E1E-A563-16892A2973B1}"/>
+                <a16:creationId xmlns:a16="http://schemas.microsoft.com/office/drawing/2014/main" id="{8AA50168-E59E-2D05-853A-34E993623A73}"/>
               </a:ext>
             </a:extLst>
           </p:cNvPr>
@@ -2203,7 +2319,7 @@
           <p:cNvPr id="5" name="Slide Number Placeholder 4">
             <a:extLst>
               <a:ext uri="{FF2B5EF4-FFF2-40B4-BE49-F238E27FC236}">
-                <a16:creationId xmlns:a16="http://schemas.microsoft.com/office/drawing/2014/main" id="{CB945E67-E96E-93FC-5420-0757CB3672D0}"/>
+                <a16:creationId xmlns:a16="http://schemas.microsoft.com/office/drawing/2014/main" id="{B645003A-7F7D-6C53-9311-9DDC88A44B9D}"/>
               </a:ext>
             </a:extLst>
           </p:cNvPr>
@@ -2230,7 +2346,7 @@
     </p:spTree>
     <p:extLst>
       <p:ext uri="{BB962C8B-B14F-4D97-AF65-F5344CB8AC3E}">
-        <p14:creationId xmlns:p14="http://schemas.microsoft.com/office/powerpoint/2010/main" val="389348601"/>
+        <p14:creationId xmlns:p14="http://schemas.microsoft.com/office/powerpoint/2010/main" val="1149449198"/>
       </p:ext>
     </p:extLst>
   </p:cSld>
@@ -2262,7 +2378,7 @@
           <p:cNvPr id="2" name="Date Placeholder 1">
             <a:extLst>
               <a:ext uri="{FF2B5EF4-FFF2-40B4-BE49-F238E27FC236}">
-                <a16:creationId xmlns:a16="http://schemas.microsoft.com/office/drawing/2014/main" id="{BA044F9F-5A65-9836-4C12-0F9E1C085218}"/>
+                <a16:creationId xmlns:a16="http://schemas.microsoft.com/office/drawing/2014/main" id="{E01E7AF7-8501-0D83-0D14-2836DBC7081F}"/>
               </a:ext>
             </a:extLst>
           </p:cNvPr>
@@ -2280,7 +2396,7 @@
           <a:p>
             <a:fld id="{D220F1D1-6C19-4F4B-92BA-F04860C94A09}" type="datetimeFigureOut">
               <a:rPr lang="en-CA" smtClean="0"/>
-              <a:t>2023-11-03</a:t>
+              <a:t>2023-11-04</a:t>
             </a:fld>
             <a:endParaRPr lang="en-CA"/>
           </a:p>
@@ -2291,7 +2407,7 @@
           <p:cNvPr id="3" name="Footer Placeholder 2">
             <a:extLst>
               <a:ext uri="{FF2B5EF4-FFF2-40B4-BE49-F238E27FC236}">
-                <a16:creationId xmlns:a16="http://schemas.microsoft.com/office/drawing/2014/main" id="{B1EDA626-FF02-A156-3E8F-C83E122823FD}"/>
+                <a16:creationId xmlns:a16="http://schemas.microsoft.com/office/drawing/2014/main" id="{F86AB9B8-5ABD-CF08-968E-6EF4B93EA59E}"/>
               </a:ext>
             </a:extLst>
           </p:cNvPr>
@@ -2316,7 +2432,7 @@
           <p:cNvPr id="4" name="Slide Number Placeholder 3">
             <a:extLst>
               <a:ext uri="{FF2B5EF4-FFF2-40B4-BE49-F238E27FC236}">
-                <a16:creationId xmlns:a16="http://schemas.microsoft.com/office/drawing/2014/main" id="{55AAEB6D-FB52-316E-E766-178F3BEC5803}"/>
+                <a16:creationId xmlns:a16="http://schemas.microsoft.com/office/drawing/2014/main" id="{877C5D44-54BA-230D-CBBC-BD3515146627}"/>
               </a:ext>
             </a:extLst>
           </p:cNvPr>
@@ -2343,7 +2459,7 @@
     </p:spTree>
     <p:extLst>
       <p:ext uri="{BB962C8B-B14F-4D97-AF65-F5344CB8AC3E}">
-        <p14:creationId xmlns:p14="http://schemas.microsoft.com/office/powerpoint/2010/main" val="1317539920"/>
+        <p14:creationId xmlns:p14="http://schemas.microsoft.com/office/powerpoint/2010/main" val="1017188959"/>
       </p:ext>
     </p:extLst>
   </p:cSld>
@@ -2375,7 +2491,7 @@
           <p:cNvPr id="2" name="Title 1">
             <a:extLst>
               <a:ext uri="{FF2B5EF4-FFF2-40B4-BE49-F238E27FC236}">
-                <a16:creationId xmlns:a16="http://schemas.microsoft.com/office/drawing/2014/main" id="{0EA3F559-8031-02E6-9F02-E04BA5906399}"/>
+                <a16:creationId xmlns:a16="http://schemas.microsoft.com/office/drawing/2014/main" id="{12E6C629-4976-64D0-36B8-CE03B65DCC8F}"/>
               </a:ext>
             </a:extLst>
           </p:cNvPr>
@@ -2413,7 +2529,7 @@
           <p:cNvPr id="3" name="Content Placeholder 2">
             <a:extLst>
               <a:ext uri="{FF2B5EF4-FFF2-40B4-BE49-F238E27FC236}">
-                <a16:creationId xmlns:a16="http://schemas.microsoft.com/office/drawing/2014/main" id="{F3015091-4B16-94E9-0A26-7C9F2903E538}"/>
+                <a16:creationId xmlns:a16="http://schemas.microsoft.com/office/drawing/2014/main" id="{894D00A7-3135-E62B-5AB1-82EBB212337E}"/>
               </a:ext>
             </a:extLst>
           </p:cNvPr>
@@ -2464,38 +2580,38 @@
           <a:p>
             <a:pPr lvl="0"/>
             <a:r>
-              <a:rPr lang="en-US"/>
+              <a:rPr lang="en-US" dirty="0"/>
               <a:t>Click to edit Master text styles</a:t>
             </a:r>
           </a:p>
           <a:p>
             <a:pPr lvl="1"/>
             <a:r>
-              <a:rPr lang="en-US"/>
+              <a:rPr lang="en-US" dirty="0"/>
               <a:t>Second level</a:t>
             </a:r>
           </a:p>
           <a:p>
             <a:pPr lvl="2"/>
             <a:r>
-              <a:rPr lang="en-US"/>
+              <a:rPr lang="en-US" dirty="0"/>
               <a:t>Third level</a:t>
             </a:r>
           </a:p>
           <a:p>
             <a:pPr lvl="3"/>
             <a:r>
-              <a:rPr lang="en-US"/>
+              <a:rPr lang="en-US" dirty="0"/>
               <a:t>Fourth level</a:t>
             </a:r>
           </a:p>
           <a:p>
             <a:pPr lvl="4"/>
             <a:r>
-              <a:rPr lang="en-US"/>
+              <a:rPr lang="en-US" dirty="0"/>
               <a:t>Fifth level</a:t>
             </a:r>
-            <a:endParaRPr lang="en-CA"/>
+            <a:endParaRPr lang="en-CA" dirty="0"/>
           </a:p>
         </p:txBody>
       </p:sp>
@@ -2504,7 +2620,7 @@
           <p:cNvPr id="4" name="Text Placeholder 3">
             <a:extLst>
               <a:ext uri="{FF2B5EF4-FFF2-40B4-BE49-F238E27FC236}">
-                <a16:creationId xmlns:a16="http://schemas.microsoft.com/office/drawing/2014/main" id="{EEE4DBD2-F24A-21D9-2A72-0C35A881C8A0}"/>
+                <a16:creationId xmlns:a16="http://schemas.microsoft.com/office/drawing/2014/main" id="{E609C6FB-F7A8-CE39-3885-5EC1FA91B177}"/>
               </a:ext>
             </a:extLst>
           </p:cNvPr>
@@ -2575,7 +2691,7 @@
           <p:cNvPr id="5" name="Date Placeholder 4">
             <a:extLst>
               <a:ext uri="{FF2B5EF4-FFF2-40B4-BE49-F238E27FC236}">
-                <a16:creationId xmlns:a16="http://schemas.microsoft.com/office/drawing/2014/main" id="{760A87E4-B67E-9A21-FED6-C4BB6F58438F}"/>
+                <a16:creationId xmlns:a16="http://schemas.microsoft.com/office/drawing/2014/main" id="{0B68C070-48B9-EE7E-B4CD-4BD7566000E4}"/>
               </a:ext>
             </a:extLst>
           </p:cNvPr>
@@ -2593,7 +2709,7 @@
           <a:p>
             <a:fld id="{D220F1D1-6C19-4F4B-92BA-F04860C94A09}" type="datetimeFigureOut">
               <a:rPr lang="en-CA" smtClean="0"/>
-              <a:t>2023-11-03</a:t>
+              <a:t>2023-11-04</a:t>
             </a:fld>
             <a:endParaRPr lang="en-CA"/>
           </a:p>
@@ -2604,7 +2720,7 @@
           <p:cNvPr id="6" name="Footer Placeholder 5">
             <a:extLst>
               <a:ext uri="{FF2B5EF4-FFF2-40B4-BE49-F238E27FC236}">
-                <a16:creationId xmlns:a16="http://schemas.microsoft.com/office/drawing/2014/main" id="{FDE6C859-3D95-5FAC-8788-C2DA7C2426F5}"/>
+                <a16:creationId xmlns:a16="http://schemas.microsoft.com/office/drawing/2014/main" id="{A438F8B4-6389-2EBB-FA94-631DF381A0EF}"/>
               </a:ext>
             </a:extLst>
           </p:cNvPr>
@@ -2629,7 +2745,7 @@
           <p:cNvPr id="7" name="Slide Number Placeholder 6">
             <a:extLst>
               <a:ext uri="{FF2B5EF4-FFF2-40B4-BE49-F238E27FC236}">
-                <a16:creationId xmlns:a16="http://schemas.microsoft.com/office/drawing/2014/main" id="{D2BB50D3-FA80-742F-9E53-4D46533C513C}"/>
+                <a16:creationId xmlns:a16="http://schemas.microsoft.com/office/drawing/2014/main" id="{186D3BCC-8848-B5B3-6BE0-87A11FC197A6}"/>
               </a:ext>
             </a:extLst>
           </p:cNvPr>
@@ -2656,7 +2772,7 @@
     </p:spTree>
     <p:extLst>
       <p:ext uri="{BB962C8B-B14F-4D97-AF65-F5344CB8AC3E}">
-        <p14:creationId xmlns:p14="http://schemas.microsoft.com/office/powerpoint/2010/main" val="2468560548"/>
+        <p14:creationId xmlns:p14="http://schemas.microsoft.com/office/powerpoint/2010/main" val="1996920380"/>
       </p:ext>
     </p:extLst>
   </p:cSld>
@@ -2688,7 +2804,7 @@
           <p:cNvPr id="2" name="Title 1">
             <a:extLst>
               <a:ext uri="{FF2B5EF4-FFF2-40B4-BE49-F238E27FC236}">
-                <a16:creationId xmlns:a16="http://schemas.microsoft.com/office/drawing/2014/main" id="{B5C66896-1CF4-B13B-65F7-30A51E59B402}"/>
+                <a16:creationId xmlns:a16="http://schemas.microsoft.com/office/drawing/2014/main" id="{7095994E-1EC4-9DF6-2300-4BE6EB7F71B4}"/>
               </a:ext>
             </a:extLst>
           </p:cNvPr>
@@ -2701,8 +2817,8 @@
         </p:nvSpPr>
         <p:spPr>
           <a:xfrm>
-            <a:off x="839788" y="457200"/>
-            <a:ext cx="3932237" cy="1600200"/>
+            <a:off x="839789" y="457200"/>
+            <a:ext cx="2741612" cy="1600200"/>
           </a:xfrm>
         </p:spPr>
         <p:txBody>
@@ -2726,7 +2842,7 @@
           <p:cNvPr id="3" name="Picture Placeholder 2">
             <a:extLst>
               <a:ext uri="{FF2B5EF4-FFF2-40B4-BE49-F238E27FC236}">
-                <a16:creationId xmlns:a16="http://schemas.microsoft.com/office/drawing/2014/main" id="{53F746D3-E40E-0825-CA01-806BFBD2030C}"/>
+                <a16:creationId xmlns:a16="http://schemas.microsoft.com/office/drawing/2014/main" id="{64AA2AF2-5E78-45AF-52E5-6AA2DF390077}"/>
               </a:ext>
             </a:extLst>
           </p:cNvPr>
@@ -2739,8 +2855,8 @@
         </p:nvSpPr>
         <p:spPr>
           <a:xfrm>
-            <a:off x="5183188" y="987425"/>
-            <a:ext cx="6172200" cy="4873625"/>
+            <a:off x="3581400" y="457200"/>
+            <a:ext cx="7773988" cy="5794310"/>
           </a:xfrm>
         </p:spPr>
         <p:txBody>
@@ -2793,7 +2909,7 @@
           <p:cNvPr id="4" name="Text Placeholder 3">
             <a:extLst>
               <a:ext uri="{FF2B5EF4-FFF2-40B4-BE49-F238E27FC236}">
-                <a16:creationId xmlns:a16="http://schemas.microsoft.com/office/drawing/2014/main" id="{5B1E8F5A-4224-A296-3A66-78FC57971005}"/>
+                <a16:creationId xmlns:a16="http://schemas.microsoft.com/office/drawing/2014/main" id="{8ED9D297-ABB4-7398-0DB5-7310625EBC06}"/>
               </a:ext>
             </a:extLst>
           </p:cNvPr>
@@ -2806,8 +2922,8 @@
         </p:nvSpPr>
         <p:spPr>
           <a:xfrm>
-            <a:off x="839788" y="2057400"/>
-            <a:ext cx="3932237" cy="3811588"/>
+            <a:off x="839789" y="2057400"/>
+            <a:ext cx="2741612" cy="4194110"/>
           </a:xfrm>
         </p:spPr>
         <p:txBody>
@@ -2864,7 +2980,7 @@
           <p:cNvPr id="5" name="Date Placeholder 4">
             <a:extLst>
               <a:ext uri="{FF2B5EF4-FFF2-40B4-BE49-F238E27FC236}">
-                <a16:creationId xmlns:a16="http://schemas.microsoft.com/office/drawing/2014/main" id="{0163EEB6-B78D-CF4E-5DC9-5CC144097F90}"/>
+                <a16:creationId xmlns:a16="http://schemas.microsoft.com/office/drawing/2014/main" id="{5D6F3EAA-CE9F-6465-B992-0F2A001B3024}"/>
               </a:ext>
             </a:extLst>
           </p:cNvPr>
@@ -2882,7 +2998,7 @@
           <a:p>
             <a:fld id="{D220F1D1-6C19-4F4B-92BA-F04860C94A09}" type="datetimeFigureOut">
               <a:rPr lang="en-CA" smtClean="0"/>
-              <a:t>2023-11-03</a:t>
+              <a:t>2023-11-04</a:t>
             </a:fld>
             <a:endParaRPr lang="en-CA"/>
           </a:p>
@@ -2893,7 +3009,7 @@
           <p:cNvPr id="6" name="Footer Placeholder 5">
             <a:extLst>
               <a:ext uri="{FF2B5EF4-FFF2-40B4-BE49-F238E27FC236}">
-                <a16:creationId xmlns:a16="http://schemas.microsoft.com/office/drawing/2014/main" id="{7B74AE4C-70F8-AE2B-3A07-AE670AAFBE04}"/>
+                <a16:creationId xmlns:a16="http://schemas.microsoft.com/office/drawing/2014/main" id="{F0AC329D-023A-ECAC-C711-3D8DAF8DCC86}"/>
               </a:ext>
             </a:extLst>
           </p:cNvPr>
@@ -2904,7 +3020,12 @@
             <p:ph type="ftr" sz="quarter" idx="11"/>
           </p:nvPr>
         </p:nvSpPr>
-        <p:spPr/>
+        <p:spPr>
+          <a:xfrm>
+            <a:off x="5410994" y="6349221"/>
+            <a:ext cx="4114800" cy="365125"/>
+          </a:xfrm>
+        </p:spPr>
         <p:txBody>
           <a:bodyPr/>
           <a:lstStyle/>
@@ -2918,7 +3039,7 @@
           <p:cNvPr id="7" name="Slide Number Placeholder 6">
             <a:extLst>
               <a:ext uri="{FF2B5EF4-FFF2-40B4-BE49-F238E27FC236}">
-                <a16:creationId xmlns:a16="http://schemas.microsoft.com/office/drawing/2014/main" id="{6327ADF5-A49C-1B76-6259-52EB837771A8}"/>
+                <a16:creationId xmlns:a16="http://schemas.microsoft.com/office/drawing/2014/main" id="{7C924B7A-C194-0DAE-1AB6-5A09D63C06D1}"/>
               </a:ext>
             </a:extLst>
           </p:cNvPr>
@@ -2929,7 +3050,12 @@
             <p:ph type="sldNum" sz="quarter" idx="12"/>
           </p:nvPr>
         </p:nvSpPr>
-        <p:spPr/>
+        <p:spPr>
+          <a:xfrm>
+            <a:off x="10633800" y="6349222"/>
+            <a:ext cx="720000" cy="365125"/>
+          </a:xfrm>
+        </p:spPr>
         <p:txBody>
           <a:bodyPr/>
           <a:lstStyle/>
@@ -2945,7 +3071,7 @@
     </p:spTree>
     <p:extLst>
       <p:ext uri="{BB962C8B-B14F-4D97-AF65-F5344CB8AC3E}">
-        <p14:creationId xmlns:p14="http://schemas.microsoft.com/office/powerpoint/2010/main" val="1408528665"/>
+        <p14:creationId xmlns:p14="http://schemas.microsoft.com/office/powerpoint/2010/main" val="2307334765"/>
       </p:ext>
     </p:extLst>
   </p:cSld>
@@ -2982,7 +3108,7 @@
           <p:cNvPr id="2" name="Title Placeholder 1">
             <a:extLst>
               <a:ext uri="{FF2B5EF4-FFF2-40B4-BE49-F238E27FC236}">
-                <a16:creationId xmlns:a16="http://schemas.microsoft.com/office/drawing/2014/main" id="{9B55E067-023A-E7C2-9231-E3990CD0FCF1}"/>
+                <a16:creationId xmlns:a16="http://schemas.microsoft.com/office/drawing/2014/main" id="{749A7EE4-3F5C-7054-8469-777F802A6D93}"/>
               </a:ext>
             </a:extLst>
           </p:cNvPr>
@@ -3021,7 +3147,7 @@
           <p:cNvPr id="3" name="Text Placeholder 2">
             <a:extLst>
               <a:ext uri="{FF2B5EF4-FFF2-40B4-BE49-F238E27FC236}">
-                <a16:creationId xmlns:a16="http://schemas.microsoft.com/office/drawing/2014/main" id="{53029F52-57C4-DC67-CAC0-183AC869E374}"/>
+                <a16:creationId xmlns:a16="http://schemas.microsoft.com/office/drawing/2014/main" id="{66A4A3A1-11B9-2126-6F5A-D6145F7A4170}"/>
               </a:ext>
             </a:extLst>
           </p:cNvPr>
@@ -3049,38 +3175,38 @@
           <a:p>
             <a:pPr lvl="0"/>
             <a:r>
-              <a:rPr lang="en-US"/>
+              <a:rPr lang="en-US" dirty="0"/>
               <a:t>Click to edit Master text styles</a:t>
             </a:r>
           </a:p>
           <a:p>
             <a:pPr lvl="1"/>
             <a:r>
-              <a:rPr lang="en-US"/>
+              <a:rPr lang="en-US" dirty="0"/>
               <a:t>Second level</a:t>
             </a:r>
           </a:p>
           <a:p>
             <a:pPr lvl="2"/>
             <a:r>
-              <a:rPr lang="en-US"/>
+              <a:rPr lang="en-US" dirty="0"/>
               <a:t>Third level</a:t>
             </a:r>
           </a:p>
           <a:p>
             <a:pPr lvl="3"/>
             <a:r>
-              <a:rPr lang="en-US"/>
+              <a:rPr lang="en-US" dirty="0"/>
               <a:t>Fourth level</a:t>
             </a:r>
           </a:p>
           <a:p>
             <a:pPr lvl="4"/>
             <a:r>
-              <a:rPr lang="en-US"/>
+              <a:rPr lang="en-US" dirty="0"/>
               <a:t>Fifth level</a:t>
             </a:r>
-            <a:endParaRPr lang="en-CA"/>
+            <a:endParaRPr lang="en-CA" dirty="0"/>
           </a:p>
         </p:txBody>
       </p:sp>
@@ -3089,7 +3215,7 @@
           <p:cNvPr id="4" name="Date Placeholder 3">
             <a:extLst>
               <a:ext uri="{FF2B5EF4-FFF2-40B4-BE49-F238E27FC236}">
-                <a16:creationId xmlns:a16="http://schemas.microsoft.com/office/drawing/2014/main" id="{1240A4B4-A81B-5A8B-7ED7-2E70BB3C84C0}"/>
+                <a16:creationId xmlns:a16="http://schemas.microsoft.com/office/drawing/2014/main" id="{C838B3EB-DA04-9050-1E31-1F9C93557726}"/>
               </a:ext>
             </a:extLst>
           </p:cNvPr>
@@ -3125,7 +3251,7 @@
           <a:p>
             <a:fld id="{D220F1D1-6C19-4F4B-92BA-F04860C94A09}" type="datetimeFigureOut">
               <a:rPr lang="en-CA" smtClean="0"/>
-              <a:t>2023-11-03</a:t>
+              <a:t>2023-11-04</a:t>
             </a:fld>
             <a:endParaRPr lang="en-CA"/>
           </a:p>
@@ -3136,7 +3262,7 @@
           <p:cNvPr id="5" name="Footer Placeholder 4">
             <a:extLst>
               <a:ext uri="{FF2B5EF4-FFF2-40B4-BE49-F238E27FC236}">
-                <a16:creationId xmlns:a16="http://schemas.microsoft.com/office/drawing/2014/main" id="{616D37BD-1235-229E-CEB6-6A74C45162ED}"/>
+                <a16:creationId xmlns:a16="http://schemas.microsoft.com/office/drawing/2014/main" id="{BCDC88BB-1D70-F597-12CF-6564D6B8302E}"/>
               </a:ext>
             </a:extLst>
           </p:cNvPr>
@@ -3179,7 +3305,7 @@
           <p:cNvPr id="6" name="Slide Number Placeholder 5">
             <a:extLst>
               <a:ext uri="{FF2B5EF4-FFF2-40B4-BE49-F238E27FC236}">
-                <a16:creationId xmlns:a16="http://schemas.microsoft.com/office/drawing/2014/main" id="{4F6FC372-4AEB-EC36-F898-36C3A4464F55}"/>
+                <a16:creationId xmlns:a16="http://schemas.microsoft.com/office/drawing/2014/main" id="{07ED8A7C-ADCF-245A-3925-7D65240E3606}"/>
               </a:ext>
             </a:extLst>
           </p:cNvPr>
@@ -3224,23 +3350,23 @@
     </p:spTree>
     <p:extLst>
       <p:ext uri="{BB962C8B-B14F-4D97-AF65-F5344CB8AC3E}">
-        <p14:creationId xmlns:p14="http://schemas.microsoft.com/office/powerpoint/2010/main" val="768395779"/>
+        <p14:creationId xmlns:p14="http://schemas.microsoft.com/office/powerpoint/2010/main" val="2903136470"/>
       </p:ext>
     </p:extLst>
   </p:cSld>
   <p:clrMap bg1="lt1" tx1="dk1" bg2="lt2" tx2="dk2" accent1="accent1" accent2="accent2" accent3="accent3" accent4="accent4" accent5="accent5" accent6="accent6" hlink="hlink" folHlink="folHlink"/>
   <p:sldLayoutIdLst>
-    <p:sldLayoutId id="2147483649" r:id="rId1"/>
-    <p:sldLayoutId id="2147483650" r:id="rId2"/>
-    <p:sldLayoutId id="2147483651" r:id="rId3"/>
-    <p:sldLayoutId id="2147483652" r:id="rId4"/>
-    <p:sldLayoutId id="2147483653" r:id="rId5"/>
-    <p:sldLayoutId id="2147483654" r:id="rId6"/>
-    <p:sldLayoutId id="2147483655" r:id="rId7"/>
-    <p:sldLayoutId id="2147483656" r:id="rId8"/>
-    <p:sldLayoutId id="2147483657" r:id="rId9"/>
-    <p:sldLayoutId id="2147483658" r:id="rId10"/>
-    <p:sldLayoutId id="2147483659" r:id="rId11"/>
+    <p:sldLayoutId id="2147483751" r:id="rId1"/>
+    <p:sldLayoutId id="2147483752" r:id="rId2"/>
+    <p:sldLayoutId id="2147483753" r:id="rId3"/>
+    <p:sldLayoutId id="2147483754" r:id="rId4"/>
+    <p:sldLayoutId id="2147483755" r:id="rId5"/>
+    <p:sldLayoutId id="2147483756" r:id="rId6"/>
+    <p:sldLayoutId id="2147483757" r:id="rId7"/>
+    <p:sldLayoutId id="2147483758" r:id="rId8"/>
+    <p:sldLayoutId id="2147483759" r:id="rId9"/>
+    <p:sldLayoutId id="2147483760" r:id="rId10"/>
+    <p:sldLayoutId id="2147483761" r:id="rId11"/>
   </p:sldLayoutIdLst>
   <p:txStyles>
     <p:titleStyle>
@@ -3263,7 +3389,7 @@
       </a:lvl1pPr>
     </p:titleStyle>
     <p:bodyStyle>
-      <a:lvl1pPr marL="228600" indent="-228600" algn="l" defTabSz="914400" rtl="0" eaLnBrk="1" latinLnBrk="0" hangingPunct="1">
+      <a:lvl1pPr marL="0" indent="0" algn="l" defTabSz="914400" rtl="0" eaLnBrk="1" latinLnBrk="0" hangingPunct="1">
         <a:lnSpc>
           <a:spcPct val="90000"/>
         </a:lnSpc>
@@ -3271,7 +3397,7 @@
           <a:spcPts val="1000"/>
         </a:spcBef>
         <a:buFont typeface="Arial" panose="020B0604020202020204" pitchFamily="34" charset="0"/>
-        <a:buChar char="•"/>
+        <a:buNone/>
         <a:defRPr sz="2800" kern="1200">
           <a:solidFill>
             <a:schemeClr val="tx1"/>
@@ -3281,7 +3407,7 @@
           <a:cs typeface="+mn-cs"/>
         </a:defRPr>
       </a:lvl1pPr>
-      <a:lvl2pPr marL="685800" indent="-228600" algn="l" defTabSz="914400" rtl="0" eaLnBrk="1" latinLnBrk="0" hangingPunct="1">
+      <a:lvl2pPr marL="131400" indent="0" algn="l" defTabSz="914400" rtl="0" eaLnBrk="1" latinLnBrk="0" hangingPunct="1">
         <a:lnSpc>
           <a:spcPct val="90000"/>
         </a:lnSpc>
@@ -3289,8 +3415,8 @@
           <a:spcPts val="500"/>
         </a:spcBef>
         <a:buFont typeface="Arial" panose="020B0604020202020204" pitchFamily="34" charset="0"/>
-        <a:buChar char="•"/>
-        <a:defRPr sz="2400" kern="1200">
+        <a:buNone/>
+        <a:defRPr sz="2000" kern="1200">
           <a:solidFill>
             <a:schemeClr val="tx1"/>
           </a:solidFill>
@@ -3299,7 +3425,7 @@
           <a:cs typeface="+mn-cs"/>
         </a:defRPr>
       </a:lvl2pPr>
-      <a:lvl3pPr marL="1143000" indent="-228600" algn="l" defTabSz="914400" rtl="0" eaLnBrk="1" latinLnBrk="0" hangingPunct="1">
+      <a:lvl3pPr marL="311400" indent="0" algn="l" defTabSz="914400" rtl="0" eaLnBrk="1" latinLnBrk="0" hangingPunct="1">
         <a:lnSpc>
           <a:spcPct val="90000"/>
         </a:lnSpc>
@@ -3307,8 +3433,8 @@
           <a:spcPts val="500"/>
         </a:spcBef>
         <a:buFont typeface="Arial" panose="020B0604020202020204" pitchFamily="34" charset="0"/>
-        <a:buChar char="•"/>
-        <a:defRPr sz="2000" kern="1200">
+        <a:buNone/>
+        <a:defRPr sz="1800" kern="1200">
           <a:solidFill>
             <a:schemeClr val="tx1"/>
           </a:solidFill>
@@ -3317,7 +3443,7 @@
           <a:cs typeface="+mn-cs"/>
         </a:defRPr>
       </a:lvl3pPr>
-      <a:lvl4pPr marL="1600200" indent="-228600" algn="l" defTabSz="914400" rtl="0" eaLnBrk="1" latinLnBrk="0" hangingPunct="1">
+      <a:lvl4pPr marL="491400" indent="0" algn="l" defTabSz="914400" rtl="0" eaLnBrk="1" latinLnBrk="0" hangingPunct="1">
         <a:lnSpc>
           <a:spcPct val="90000"/>
         </a:lnSpc>
@@ -3325,8 +3451,8 @@
           <a:spcPts val="500"/>
         </a:spcBef>
         <a:buFont typeface="Arial" panose="020B0604020202020204" pitchFamily="34" charset="0"/>
-        <a:buChar char="•"/>
-        <a:defRPr sz="1800" kern="1200">
+        <a:buNone/>
+        <a:defRPr sz="1600" kern="1200">
           <a:solidFill>
             <a:schemeClr val="tx1"/>
           </a:solidFill>
@@ -3335,7 +3461,7 @@
           <a:cs typeface="+mn-cs"/>
         </a:defRPr>
       </a:lvl4pPr>
-      <a:lvl5pPr marL="2057400" indent="-228600" algn="l" defTabSz="914400" rtl="0" eaLnBrk="1" latinLnBrk="0" hangingPunct="1">
+      <a:lvl5pPr marL="671400" indent="0" algn="l" defTabSz="914400" rtl="0" eaLnBrk="1" latinLnBrk="0" hangingPunct="1">
         <a:lnSpc>
           <a:spcPct val="90000"/>
         </a:lnSpc>
@@ -3343,8 +3469,8 @@
           <a:spcPts val="500"/>
         </a:spcBef>
         <a:buFont typeface="Arial" panose="020B0604020202020204" pitchFamily="34" charset="0"/>
-        <a:buChar char="•"/>
-        <a:defRPr sz="1800" kern="1200">
+        <a:buNone/>
+        <a:defRPr sz="1400" kern="1200">
           <a:solidFill>
             <a:schemeClr val="tx1"/>
           </a:solidFill>
@@ -3547,7 +3673,7 @@
           <p:cNvPr id="2" name="Title 1">
             <a:extLst>
               <a:ext uri="{FF2B5EF4-FFF2-40B4-BE49-F238E27FC236}">
-                <a16:creationId xmlns:a16="http://schemas.microsoft.com/office/drawing/2014/main" id="{D9D92A2F-AE8F-1E91-6ACE-7BB9B7BDC552}"/>
+                <a16:creationId xmlns:a16="http://schemas.microsoft.com/office/drawing/2014/main" id="{87EDFD10-67EE-FCD7-D07D-00B57D1BD91F}"/>
               </a:ext>
             </a:extLst>
           </p:cNvPr>
@@ -3575,7 +3701,7 @@
           <p:cNvPr id="3" name="Subtitle 2">
             <a:extLst>
               <a:ext uri="{FF2B5EF4-FFF2-40B4-BE49-F238E27FC236}">
-                <a16:creationId xmlns:a16="http://schemas.microsoft.com/office/drawing/2014/main" id="{A006A761-46B2-97A5-F923-FB5C03C161BA}"/>
+                <a16:creationId xmlns:a16="http://schemas.microsoft.com/office/drawing/2014/main" id="{E68C68AC-A2E8-827F-E0F7-F080DF6F10CF}"/>
               </a:ext>
             </a:extLst>
           </p:cNvPr>
@@ -3601,797 +3727,7 @@
     </p:spTree>
     <p:extLst>
       <p:ext uri="{BB962C8B-B14F-4D97-AF65-F5344CB8AC3E}">
-        <p14:creationId xmlns:p14="http://schemas.microsoft.com/office/powerpoint/2010/main" val="3244610471"/>
-      </p:ext>
-    </p:extLst>
-  </p:cSld>
-  <p:clrMapOvr>
-    <a:masterClrMapping/>
-  </p:clrMapOvr>
-</p:sld>
-</file>
-
-<file path=ppt/slides/slide2.xml><?xml version="1.0" encoding="utf-8"?>
-<p:sld xmlns:a="http://schemas.openxmlformats.org/drawingml/2006/main" xmlns:r="http://schemas.openxmlformats.org/officeDocument/2006/relationships" xmlns:p="http://schemas.openxmlformats.org/presentationml/2006/main">
-  <p:cSld>
-    <p:spTree>
-      <p:nvGrpSpPr>
-        <p:cNvPr id="1" name=""/>
-        <p:cNvGrpSpPr/>
-        <p:nvPr/>
-      </p:nvGrpSpPr>
-      <p:grpSpPr>
-        <a:xfrm>
-          <a:off x="0" y="0"/>
-          <a:ext cx="0" cy="0"/>
-          <a:chOff x="0" y="0"/>
-          <a:chExt cx="0" cy="0"/>
-        </a:xfrm>
-      </p:grpSpPr>
-      <p:sp>
-        <p:nvSpPr>
-          <p:cNvPr id="2" name="Title 1">
-            <a:extLst>
-              <a:ext uri="{FF2B5EF4-FFF2-40B4-BE49-F238E27FC236}">
-                <a16:creationId xmlns:a16="http://schemas.microsoft.com/office/drawing/2014/main" id="{A431D0E2-CC8C-F424-31BF-90453D2C1678}"/>
-              </a:ext>
-            </a:extLst>
-          </p:cNvPr>
-          <p:cNvSpPr>
-            <a:spLocks noGrp="1"/>
-          </p:cNvSpPr>
-          <p:nvPr>
-            <p:ph type="title"/>
-          </p:nvPr>
-        </p:nvSpPr>
-        <p:spPr/>
-        <p:txBody>
-          <a:bodyPr/>
-          <a:lstStyle/>
-          <a:p>
-            <a:r>
-              <a:rPr lang="en-CA" dirty="0"/>
-              <a:t>Title</a:t>
-            </a:r>
-          </a:p>
-        </p:txBody>
-      </p:sp>
-      <p:sp>
-        <p:nvSpPr>
-          <p:cNvPr id="3" name="Content Placeholder 2">
-            <a:extLst>
-              <a:ext uri="{FF2B5EF4-FFF2-40B4-BE49-F238E27FC236}">
-                <a16:creationId xmlns:a16="http://schemas.microsoft.com/office/drawing/2014/main" id="{E8AAE7B1-F4C5-86B1-02BC-C0F5A9E6A3E0}"/>
-              </a:ext>
-            </a:extLst>
-          </p:cNvPr>
-          <p:cNvSpPr>
-            <a:spLocks noGrp="1"/>
-          </p:cNvSpPr>
-          <p:nvPr>
-            <p:ph idx="1"/>
-          </p:nvPr>
-        </p:nvSpPr>
-        <p:spPr/>
-        <p:txBody>
-          <a:bodyPr/>
-          <a:lstStyle/>
-          <a:p>
-            <a:r>
-              <a:rPr lang="en-CA" dirty="0"/>
-              <a:t>Item</a:t>
-            </a:r>
-          </a:p>
-          <a:p>
-            <a:pPr lvl="1"/>
-            <a:r>
-              <a:rPr lang="en-CA" dirty="0"/>
-              <a:t>Item</a:t>
-            </a:r>
-          </a:p>
-          <a:p>
-            <a:pPr lvl="2"/>
-            <a:r>
-              <a:rPr lang="en-CA" dirty="0"/>
-              <a:t>Item</a:t>
-            </a:r>
-          </a:p>
-          <a:p>
-            <a:pPr lvl="3"/>
-            <a:r>
-              <a:rPr lang="en-CA" dirty="0"/>
-              <a:t>Item</a:t>
-            </a:r>
-          </a:p>
-        </p:txBody>
-      </p:sp>
-    </p:spTree>
-    <p:extLst>
-      <p:ext uri="{BB962C8B-B14F-4D97-AF65-F5344CB8AC3E}">
-        <p14:creationId xmlns:p14="http://schemas.microsoft.com/office/powerpoint/2010/main" val="791637615"/>
-      </p:ext>
-    </p:extLst>
-  </p:cSld>
-  <p:clrMapOvr>
-    <a:masterClrMapping/>
-  </p:clrMapOvr>
-</p:sld>
-</file>
-
-<file path=ppt/slides/slide3.xml><?xml version="1.0" encoding="utf-8"?>
-<p:sld xmlns:a="http://schemas.openxmlformats.org/drawingml/2006/main" xmlns:r="http://schemas.openxmlformats.org/officeDocument/2006/relationships" xmlns:p="http://schemas.openxmlformats.org/presentationml/2006/main">
-  <p:cSld>
-    <p:spTree>
-      <p:nvGrpSpPr>
-        <p:cNvPr id="1" name=""/>
-        <p:cNvGrpSpPr/>
-        <p:nvPr/>
-      </p:nvGrpSpPr>
-      <p:grpSpPr>
-        <a:xfrm>
-          <a:off x="0" y="0"/>
-          <a:ext cx="0" cy="0"/>
-          <a:chOff x="0" y="0"/>
-          <a:chExt cx="0" cy="0"/>
-        </a:xfrm>
-      </p:grpSpPr>
-      <p:sp>
-        <p:nvSpPr>
-          <p:cNvPr id="2" name="Title 1">
-            <a:extLst>
-              <a:ext uri="{FF2B5EF4-FFF2-40B4-BE49-F238E27FC236}">
-                <a16:creationId xmlns:a16="http://schemas.microsoft.com/office/drawing/2014/main" id="{FFF9E62F-D6D9-7A95-468B-47082C121DB3}"/>
-              </a:ext>
-            </a:extLst>
-          </p:cNvPr>
-          <p:cNvSpPr>
-            <a:spLocks noGrp="1"/>
-          </p:cNvSpPr>
-          <p:nvPr>
-            <p:ph type="title"/>
-          </p:nvPr>
-        </p:nvSpPr>
-        <p:spPr/>
-        <p:txBody>
-          <a:bodyPr/>
-          <a:lstStyle/>
-          <a:p>
-            <a:r>
-              <a:rPr lang="en-CA" dirty="0"/>
-              <a:t>Section</a:t>
-            </a:r>
-          </a:p>
-        </p:txBody>
-      </p:sp>
-      <p:sp>
-        <p:nvSpPr>
-          <p:cNvPr id="3" name="Text Placeholder 2">
-            <a:extLst>
-              <a:ext uri="{FF2B5EF4-FFF2-40B4-BE49-F238E27FC236}">
-                <a16:creationId xmlns:a16="http://schemas.microsoft.com/office/drawing/2014/main" id="{888E24FC-BA83-6C73-6BA4-4E00644E60F6}"/>
-              </a:ext>
-            </a:extLst>
-          </p:cNvPr>
-          <p:cNvSpPr>
-            <a:spLocks noGrp="1"/>
-          </p:cNvSpPr>
-          <p:nvPr>
-            <p:ph type="body" idx="1"/>
-          </p:nvPr>
-        </p:nvSpPr>
-        <p:spPr/>
-        <p:txBody>
-          <a:bodyPr/>
-          <a:lstStyle/>
-          <a:p>
-            <a:r>
-              <a:rPr lang="en-CA" dirty="0"/>
-              <a:t>Subtitle</a:t>
-            </a:r>
-          </a:p>
-        </p:txBody>
-      </p:sp>
-    </p:spTree>
-    <p:extLst>
-      <p:ext uri="{BB962C8B-B14F-4D97-AF65-F5344CB8AC3E}">
-        <p14:creationId xmlns:p14="http://schemas.microsoft.com/office/powerpoint/2010/main" val="743748634"/>
-      </p:ext>
-    </p:extLst>
-  </p:cSld>
-  <p:clrMapOvr>
-    <a:masterClrMapping/>
-  </p:clrMapOvr>
-</p:sld>
-</file>
-
-<file path=ppt/slides/slide4.xml><?xml version="1.0" encoding="utf-8"?>
-<p:sld xmlns:a="http://schemas.openxmlformats.org/drawingml/2006/main" xmlns:r="http://schemas.openxmlformats.org/officeDocument/2006/relationships" xmlns:p="http://schemas.openxmlformats.org/presentationml/2006/main">
-  <p:cSld>
-    <p:spTree>
-      <p:nvGrpSpPr>
-        <p:cNvPr id="1" name=""/>
-        <p:cNvGrpSpPr/>
-        <p:nvPr/>
-      </p:nvGrpSpPr>
-      <p:grpSpPr>
-        <a:xfrm>
-          <a:off x="0" y="0"/>
-          <a:ext cx="0" cy="0"/>
-          <a:chOff x="0" y="0"/>
-          <a:chExt cx="0" cy="0"/>
-        </a:xfrm>
-      </p:grpSpPr>
-      <p:sp>
-        <p:nvSpPr>
-          <p:cNvPr id="2" name="Title 1">
-            <a:extLst>
-              <a:ext uri="{FF2B5EF4-FFF2-40B4-BE49-F238E27FC236}">
-                <a16:creationId xmlns:a16="http://schemas.microsoft.com/office/drawing/2014/main" id="{977CB855-515E-605A-F009-D0A9D3C8CACE}"/>
-              </a:ext>
-            </a:extLst>
-          </p:cNvPr>
-          <p:cNvSpPr>
-            <a:spLocks noGrp="1"/>
-          </p:cNvSpPr>
-          <p:nvPr>
-            <p:ph type="title"/>
-          </p:nvPr>
-        </p:nvSpPr>
-        <p:spPr/>
-        <p:txBody>
-          <a:bodyPr/>
-          <a:lstStyle/>
-          <a:p>
-            <a:r>
-              <a:rPr lang="en-CA" dirty="0"/>
-              <a:t>Title</a:t>
-            </a:r>
-          </a:p>
-        </p:txBody>
-      </p:sp>
-      <p:sp>
-        <p:nvSpPr>
-          <p:cNvPr id="3" name="Content Placeholder 2">
-            <a:extLst>
-              <a:ext uri="{FF2B5EF4-FFF2-40B4-BE49-F238E27FC236}">
-                <a16:creationId xmlns:a16="http://schemas.microsoft.com/office/drawing/2014/main" id="{09A71DA1-0A91-97EE-8F30-85239F02B064}"/>
-              </a:ext>
-            </a:extLst>
-          </p:cNvPr>
-          <p:cNvSpPr>
-            <a:spLocks noGrp="1"/>
-          </p:cNvSpPr>
-          <p:nvPr>
-            <p:ph sz="half" idx="1"/>
-          </p:nvPr>
-        </p:nvSpPr>
-        <p:spPr/>
-        <p:txBody>
-          <a:bodyPr/>
-          <a:lstStyle/>
-          <a:p>
-            <a:r>
-              <a:rPr lang="en-CA" dirty="0"/>
-              <a:t>Item</a:t>
-            </a:r>
-          </a:p>
-        </p:txBody>
-      </p:sp>
-      <p:sp>
-        <p:nvSpPr>
-          <p:cNvPr id="4" name="Content Placeholder 3">
-            <a:extLst>
-              <a:ext uri="{FF2B5EF4-FFF2-40B4-BE49-F238E27FC236}">
-                <a16:creationId xmlns:a16="http://schemas.microsoft.com/office/drawing/2014/main" id="{011E271A-4AC2-FAA4-00B0-E9B8BF8AD8D8}"/>
-              </a:ext>
-            </a:extLst>
-          </p:cNvPr>
-          <p:cNvSpPr>
-            <a:spLocks noGrp="1"/>
-          </p:cNvSpPr>
-          <p:nvPr>
-            <p:ph sz="half" idx="2"/>
-          </p:nvPr>
-        </p:nvSpPr>
-        <p:spPr/>
-        <p:txBody>
-          <a:bodyPr/>
-          <a:lstStyle/>
-          <a:p>
-            <a:r>
-              <a:rPr lang="en-CA" dirty="0"/>
-              <a:t>Item</a:t>
-            </a:r>
-          </a:p>
-        </p:txBody>
-      </p:sp>
-    </p:spTree>
-    <p:extLst>
-      <p:ext uri="{BB962C8B-B14F-4D97-AF65-F5344CB8AC3E}">
-        <p14:creationId xmlns:p14="http://schemas.microsoft.com/office/powerpoint/2010/main" val="161691254"/>
-      </p:ext>
-    </p:extLst>
-  </p:cSld>
-  <p:clrMapOvr>
-    <a:masterClrMapping/>
-  </p:clrMapOvr>
-</p:sld>
-</file>
-
-<file path=ppt/slides/slide5.xml><?xml version="1.0" encoding="utf-8"?>
-<p:sld xmlns:a="http://schemas.openxmlformats.org/drawingml/2006/main" xmlns:r="http://schemas.openxmlformats.org/officeDocument/2006/relationships" xmlns:p="http://schemas.openxmlformats.org/presentationml/2006/main">
-  <p:cSld>
-    <p:spTree>
-      <p:nvGrpSpPr>
-        <p:cNvPr id="1" name=""/>
-        <p:cNvGrpSpPr/>
-        <p:nvPr/>
-      </p:nvGrpSpPr>
-      <p:grpSpPr>
-        <a:xfrm>
-          <a:off x="0" y="0"/>
-          <a:ext cx="0" cy="0"/>
-          <a:chOff x="0" y="0"/>
-          <a:chExt cx="0" cy="0"/>
-        </a:xfrm>
-      </p:grpSpPr>
-      <p:sp>
-        <p:nvSpPr>
-          <p:cNvPr id="2" name="Title 1">
-            <a:extLst>
-              <a:ext uri="{FF2B5EF4-FFF2-40B4-BE49-F238E27FC236}">
-                <a16:creationId xmlns:a16="http://schemas.microsoft.com/office/drawing/2014/main" id="{C45232F2-42E4-A1E8-4D84-5796D0DEBB32}"/>
-              </a:ext>
-            </a:extLst>
-          </p:cNvPr>
-          <p:cNvSpPr>
-            <a:spLocks noGrp="1"/>
-          </p:cNvSpPr>
-          <p:nvPr>
-            <p:ph type="title"/>
-          </p:nvPr>
-        </p:nvSpPr>
-        <p:spPr/>
-        <p:txBody>
-          <a:bodyPr/>
-          <a:lstStyle/>
-          <a:p>
-            <a:r>
-              <a:rPr lang="en-CA" dirty="0"/>
-              <a:t>Title</a:t>
-            </a:r>
-          </a:p>
-        </p:txBody>
-      </p:sp>
-      <p:sp>
-        <p:nvSpPr>
-          <p:cNvPr id="3" name="Text Placeholder 2">
-            <a:extLst>
-              <a:ext uri="{FF2B5EF4-FFF2-40B4-BE49-F238E27FC236}">
-                <a16:creationId xmlns:a16="http://schemas.microsoft.com/office/drawing/2014/main" id="{E8A341CC-3B6F-92CE-72BC-CC2BA514A71C}"/>
-              </a:ext>
-            </a:extLst>
-          </p:cNvPr>
-          <p:cNvSpPr>
-            <a:spLocks noGrp="1"/>
-          </p:cNvSpPr>
-          <p:nvPr>
-            <p:ph type="body" idx="1"/>
-          </p:nvPr>
-        </p:nvSpPr>
-        <p:spPr/>
-        <p:txBody>
-          <a:bodyPr/>
-          <a:lstStyle/>
-          <a:p>
-            <a:r>
-              <a:rPr lang="en-CA" dirty="0"/>
-              <a:t>Comparison</a:t>
-            </a:r>
-          </a:p>
-        </p:txBody>
-      </p:sp>
-      <p:sp>
-        <p:nvSpPr>
-          <p:cNvPr id="4" name="Content Placeholder 3">
-            <a:extLst>
-              <a:ext uri="{FF2B5EF4-FFF2-40B4-BE49-F238E27FC236}">
-                <a16:creationId xmlns:a16="http://schemas.microsoft.com/office/drawing/2014/main" id="{4C489739-0B4E-8B65-195D-775AB431352F}"/>
-              </a:ext>
-            </a:extLst>
-          </p:cNvPr>
-          <p:cNvSpPr>
-            <a:spLocks noGrp="1"/>
-          </p:cNvSpPr>
-          <p:nvPr>
-            <p:ph sz="half" idx="2"/>
-          </p:nvPr>
-        </p:nvSpPr>
-        <p:spPr/>
-        <p:txBody>
-          <a:bodyPr/>
-          <a:lstStyle/>
-          <a:p>
-            <a:r>
-              <a:rPr lang="en-CA" dirty="0"/>
-              <a:t>Item</a:t>
-            </a:r>
-          </a:p>
-        </p:txBody>
-      </p:sp>
-      <p:sp>
-        <p:nvSpPr>
-          <p:cNvPr id="5" name="Text Placeholder 4">
-            <a:extLst>
-              <a:ext uri="{FF2B5EF4-FFF2-40B4-BE49-F238E27FC236}">
-                <a16:creationId xmlns:a16="http://schemas.microsoft.com/office/drawing/2014/main" id="{3056301D-3822-21E4-845B-0F4D48D26899}"/>
-              </a:ext>
-            </a:extLst>
-          </p:cNvPr>
-          <p:cNvSpPr>
-            <a:spLocks noGrp="1"/>
-          </p:cNvSpPr>
-          <p:nvPr>
-            <p:ph type="body" sz="quarter" idx="3"/>
-          </p:nvPr>
-        </p:nvSpPr>
-        <p:spPr/>
-        <p:txBody>
-          <a:bodyPr/>
-          <a:lstStyle/>
-          <a:p>
-            <a:r>
-              <a:rPr lang="en-CA" dirty="0"/>
-              <a:t>Comparison</a:t>
-            </a:r>
-          </a:p>
-        </p:txBody>
-      </p:sp>
-      <p:sp>
-        <p:nvSpPr>
-          <p:cNvPr id="6" name="Content Placeholder 5">
-            <a:extLst>
-              <a:ext uri="{FF2B5EF4-FFF2-40B4-BE49-F238E27FC236}">
-                <a16:creationId xmlns:a16="http://schemas.microsoft.com/office/drawing/2014/main" id="{2AB942DC-F7DF-BCB2-28F3-47E4E058929A}"/>
-              </a:ext>
-            </a:extLst>
-          </p:cNvPr>
-          <p:cNvSpPr>
-            <a:spLocks noGrp="1"/>
-          </p:cNvSpPr>
-          <p:nvPr>
-            <p:ph sz="quarter" idx="4"/>
-          </p:nvPr>
-        </p:nvSpPr>
-        <p:spPr/>
-        <p:txBody>
-          <a:bodyPr/>
-          <a:lstStyle/>
-          <a:p>
-            <a:r>
-              <a:rPr lang="en-CA" dirty="0"/>
-              <a:t>Item</a:t>
-            </a:r>
-          </a:p>
-        </p:txBody>
-      </p:sp>
-    </p:spTree>
-    <p:extLst>
-      <p:ext uri="{BB962C8B-B14F-4D97-AF65-F5344CB8AC3E}">
-        <p14:creationId xmlns:p14="http://schemas.microsoft.com/office/powerpoint/2010/main" val="539889841"/>
-      </p:ext>
-    </p:extLst>
-  </p:cSld>
-  <p:clrMapOvr>
-    <a:masterClrMapping/>
-  </p:clrMapOvr>
-</p:sld>
-</file>
-
-<file path=ppt/slides/slide6.xml><?xml version="1.0" encoding="utf-8"?>
-<p:sld xmlns:a="http://schemas.openxmlformats.org/drawingml/2006/main" xmlns:r="http://schemas.openxmlformats.org/officeDocument/2006/relationships" xmlns:p="http://schemas.openxmlformats.org/presentationml/2006/main">
-  <p:cSld>
-    <p:spTree>
-      <p:nvGrpSpPr>
-        <p:cNvPr id="1" name=""/>
-        <p:cNvGrpSpPr/>
-        <p:nvPr/>
-      </p:nvGrpSpPr>
-      <p:grpSpPr>
-        <a:xfrm>
-          <a:off x="0" y="0"/>
-          <a:ext cx="0" cy="0"/>
-          <a:chOff x="0" y="0"/>
-          <a:chExt cx="0" cy="0"/>
-        </a:xfrm>
-      </p:grpSpPr>
-      <p:sp>
-        <p:nvSpPr>
-          <p:cNvPr id="2" name="Title 1">
-            <a:extLst>
-              <a:ext uri="{FF2B5EF4-FFF2-40B4-BE49-F238E27FC236}">
-                <a16:creationId xmlns:a16="http://schemas.microsoft.com/office/drawing/2014/main" id="{79966987-34F2-F991-6DF9-660B38D3BF66}"/>
-              </a:ext>
-            </a:extLst>
-          </p:cNvPr>
-          <p:cNvSpPr>
-            <a:spLocks noGrp="1"/>
-          </p:cNvSpPr>
-          <p:nvPr>
-            <p:ph type="title"/>
-          </p:nvPr>
-        </p:nvSpPr>
-        <p:spPr/>
-        <p:txBody>
-          <a:bodyPr/>
-          <a:lstStyle/>
-          <a:p>
-            <a:r>
-              <a:rPr lang="en-CA" dirty="0"/>
-              <a:t>Title</a:t>
-            </a:r>
-          </a:p>
-        </p:txBody>
-      </p:sp>
-    </p:spTree>
-    <p:extLst>
-      <p:ext uri="{BB962C8B-B14F-4D97-AF65-F5344CB8AC3E}">
-        <p14:creationId xmlns:p14="http://schemas.microsoft.com/office/powerpoint/2010/main" val="3941993267"/>
-      </p:ext>
-    </p:extLst>
-  </p:cSld>
-  <p:clrMapOvr>
-    <a:masterClrMapping/>
-  </p:clrMapOvr>
-</p:sld>
-</file>
-
-<file path=ppt/slides/slide7.xml><?xml version="1.0" encoding="utf-8"?>
-<p:sld xmlns:a="http://schemas.openxmlformats.org/drawingml/2006/main" xmlns:r="http://schemas.openxmlformats.org/officeDocument/2006/relationships" xmlns:p="http://schemas.openxmlformats.org/presentationml/2006/main">
-  <p:cSld>
-    <p:spTree>
-      <p:nvGrpSpPr>
-        <p:cNvPr id="1" name=""/>
-        <p:cNvGrpSpPr/>
-        <p:nvPr/>
-      </p:nvGrpSpPr>
-      <p:grpSpPr>
-        <a:xfrm>
-          <a:off x="0" y="0"/>
-          <a:ext cx="0" cy="0"/>
-          <a:chOff x="0" y="0"/>
-          <a:chExt cx="0" cy="0"/>
-        </a:xfrm>
-      </p:grpSpPr>
-    </p:spTree>
-    <p:extLst>
-      <p:ext uri="{BB962C8B-B14F-4D97-AF65-F5344CB8AC3E}">
-        <p14:creationId xmlns:p14="http://schemas.microsoft.com/office/powerpoint/2010/main" val="3948318178"/>
-      </p:ext>
-    </p:extLst>
-  </p:cSld>
-  <p:clrMapOvr>
-    <a:masterClrMapping/>
-  </p:clrMapOvr>
-</p:sld>
-</file>
-
-<file path=ppt/slides/slide8.xml><?xml version="1.0" encoding="utf-8"?>
-<p:sld xmlns:a="http://schemas.openxmlformats.org/drawingml/2006/main" xmlns:r="http://schemas.openxmlformats.org/officeDocument/2006/relationships" xmlns:p="http://schemas.openxmlformats.org/presentationml/2006/main">
-  <p:cSld>
-    <p:spTree>
-      <p:nvGrpSpPr>
-        <p:cNvPr id="1" name=""/>
-        <p:cNvGrpSpPr/>
-        <p:nvPr/>
-      </p:nvGrpSpPr>
-      <p:grpSpPr>
-        <a:xfrm>
-          <a:off x="0" y="0"/>
-          <a:ext cx="0" cy="0"/>
-          <a:chOff x="0" y="0"/>
-          <a:chExt cx="0" cy="0"/>
-        </a:xfrm>
-      </p:grpSpPr>
-      <p:sp>
-        <p:nvSpPr>
-          <p:cNvPr id="2" name="Title 1">
-            <a:extLst>
-              <a:ext uri="{FF2B5EF4-FFF2-40B4-BE49-F238E27FC236}">
-                <a16:creationId xmlns:a16="http://schemas.microsoft.com/office/drawing/2014/main" id="{EAB14608-317F-8543-8703-B0D403A0A36D}"/>
-              </a:ext>
-            </a:extLst>
-          </p:cNvPr>
-          <p:cNvSpPr>
-            <a:spLocks noGrp="1"/>
-          </p:cNvSpPr>
-          <p:nvPr>
-            <p:ph type="title"/>
-          </p:nvPr>
-        </p:nvSpPr>
-        <p:spPr/>
-        <p:txBody>
-          <a:bodyPr/>
-          <a:lstStyle/>
-          <a:p>
-            <a:r>
-              <a:rPr lang="en-CA" dirty="0"/>
-              <a:t>Title</a:t>
-            </a:r>
-          </a:p>
-        </p:txBody>
-      </p:sp>
-      <p:sp>
-        <p:nvSpPr>
-          <p:cNvPr id="3" name="Content Placeholder 2">
-            <a:extLst>
-              <a:ext uri="{FF2B5EF4-FFF2-40B4-BE49-F238E27FC236}">
-                <a16:creationId xmlns:a16="http://schemas.microsoft.com/office/drawing/2014/main" id="{D6112D36-3D83-23C0-80C1-3F1E48439D07}"/>
-              </a:ext>
-            </a:extLst>
-          </p:cNvPr>
-          <p:cNvSpPr>
-            <a:spLocks noGrp="1"/>
-          </p:cNvSpPr>
-          <p:nvPr>
-            <p:ph idx="1"/>
-          </p:nvPr>
-        </p:nvSpPr>
-        <p:spPr/>
-        <p:txBody>
-          <a:bodyPr/>
-          <a:lstStyle/>
-          <a:p>
-            <a:r>
-              <a:rPr lang="en-CA" dirty="0"/>
-              <a:t>Item</a:t>
-            </a:r>
-          </a:p>
-        </p:txBody>
-      </p:sp>
-      <p:sp>
-        <p:nvSpPr>
-          <p:cNvPr id="4" name="Text Placeholder 3">
-            <a:extLst>
-              <a:ext uri="{FF2B5EF4-FFF2-40B4-BE49-F238E27FC236}">
-                <a16:creationId xmlns:a16="http://schemas.microsoft.com/office/drawing/2014/main" id="{E9F3D28F-9DC5-B5BA-BBC6-4C1125E857D2}"/>
-              </a:ext>
-            </a:extLst>
-          </p:cNvPr>
-          <p:cNvSpPr>
-            <a:spLocks noGrp="1"/>
-          </p:cNvSpPr>
-          <p:nvPr>
-            <p:ph type="body" sz="half" idx="2"/>
-          </p:nvPr>
-        </p:nvSpPr>
-        <p:spPr/>
-        <p:txBody>
-          <a:bodyPr/>
-          <a:lstStyle/>
-          <a:p>
-            <a:r>
-              <a:rPr lang="en-CA" dirty="0"/>
-              <a:t>Text</a:t>
-            </a:r>
-          </a:p>
-        </p:txBody>
-      </p:sp>
-    </p:spTree>
-    <p:extLst>
-      <p:ext uri="{BB962C8B-B14F-4D97-AF65-F5344CB8AC3E}">
-        <p14:creationId xmlns:p14="http://schemas.microsoft.com/office/powerpoint/2010/main" val="947236482"/>
-      </p:ext>
-    </p:extLst>
-  </p:cSld>
-  <p:clrMapOvr>
-    <a:masterClrMapping/>
-  </p:clrMapOvr>
-</p:sld>
-</file>
-
-<file path=ppt/slides/slide9.xml><?xml version="1.0" encoding="utf-8"?>
-<p:sld xmlns:a="http://schemas.openxmlformats.org/drawingml/2006/main" xmlns:r="http://schemas.openxmlformats.org/officeDocument/2006/relationships" xmlns:p="http://schemas.openxmlformats.org/presentationml/2006/main">
-  <p:cSld>
-    <p:spTree>
-      <p:nvGrpSpPr>
-        <p:cNvPr id="1" name=""/>
-        <p:cNvGrpSpPr/>
-        <p:nvPr/>
-      </p:nvGrpSpPr>
-      <p:grpSpPr>
-        <a:xfrm>
-          <a:off x="0" y="0"/>
-          <a:ext cx="0" cy="0"/>
-          <a:chOff x="0" y="0"/>
-          <a:chExt cx="0" cy="0"/>
-        </a:xfrm>
-      </p:grpSpPr>
-      <p:sp>
-        <p:nvSpPr>
-          <p:cNvPr id="2" name="Title 1">
-            <a:extLst>
-              <a:ext uri="{FF2B5EF4-FFF2-40B4-BE49-F238E27FC236}">
-                <a16:creationId xmlns:a16="http://schemas.microsoft.com/office/drawing/2014/main" id="{455F18B5-40CE-AE1E-9909-5B927DD66648}"/>
-              </a:ext>
-            </a:extLst>
-          </p:cNvPr>
-          <p:cNvSpPr>
-            <a:spLocks noGrp="1"/>
-          </p:cNvSpPr>
-          <p:nvPr>
-            <p:ph type="title"/>
-          </p:nvPr>
-        </p:nvSpPr>
-        <p:spPr/>
-        <p:txBody>
-          <a:bodyPr/>
-          <a:lstStyle/>
-          <a:p>
-            <a:r>
-              <a:rPr lang="en-CA" dirty="0"/>
-              <a:t>Title</a:t>
-            </a:r>
-          </a:p>
-        </p:txBody>
-      </p:sp>
-      <p:sp>
-        <p:nvSpPr>
-          <p:cNvPr id="3" name="Picture Placeholder 2">
-            <a:extLst>
-              <a:ext uri="{FF2B5EF4-FFF2-40B4-BE49-F238E27FC236}">
-                <a16:creationId xmlns:a16="http://schemas.microsoft.com/office/drawing/2014/main" id="{A3F157E0-B0A0-835B-4127-2D49CA8D6EF7}"/>
-              </a:ext>
-            </a:extLst>
-          </p:cNvPr>
-          <p:cNvSpPr>
-            <a:spLocks noGrp="1"/>
-          </p:cNvSpPr>
-          <p:nvPr>
-            <p:ph type="pic" idx="1"/>
-          </p:nvPr>
-        </p:nvSpPr>
-        <p:spPr/>
-        <p:txBody>
-          <a:bodyPr/>
-          <a:lstStyle/>
-          <a:p>
-            <a:endParaRPr lang="en-CA"/>
-          </a:p>
-        </p:txBody>
-      </p:sp>
-      <p:sp>
-        <p:nvSpPr>
-          <p:cNvPr id="4" name="Text Placeholder 3">
-            <a:extLst>
-              <a:ext uri="{FF2B5EF4-FFF2-40B4-BE49-F238E27FC236}">
-                <a16:creationId xmlns:a16="http://schemas.microsoft.com/office/drawing/2014/main" id="{2FB15C79-6572-3576-85B9-2073F4F06455}"/>
-              </a:ext>
-            </a:extLst>
-          </p:cNvPr>
-          <p:cNvSpPr>
-            <a:spLocks noGrp="1"/>
-          </p:cNvSpPr>
-          <p:nvPr>
-            <p:ph type="body" sz="half" idx="2"/>
-          </p:nvPr>
-        </p:nvSpPr>
-        <p:spPr/>
-        <p:txBody>
-          <a:bodyPr/>
-          <a:lstStyle/>
-          <a:p>
-            <a:r>
-              <a:rPr lang="en-CA" dirty="0"/>
-              <a:t>Text</a:t>
-            </a:r>
-          </a:p>
-        </p:txBody>
-      </p:sp>
-    </p:spTree>
-    <p:extLst>
-      <p:ext uri="{BB962C8B-B14F-4D97-AF65-F5344CB8AC3E}">
-        <p14:creationId xmlns:p14="http://schemas.microsoft.com/office/powerpoint/2010/main" val="1989821374"/>
+        <p14:creationId xmlns:p14="http://schemas.microsoft.com/office/powerpoint/2010/main" val="1903068108"/>
       </p:ext>
     </p:extLst>
   </p:cSld>

--- a/scripts/includes/theme.pptx
+++ b/scripts/includes/theme.pptx
@@ -1553,7 +1553,7 @@
           </a:xfrm>
         </p:spPr>
         <p:txBody>
-          <a:bodyPr anchor="ctr"/>
+          <a:bodyPr anchor="t"/>
           <a:lstStyle>
             <a:lvl1pPr indent="-156600">
               <a:defRPr sz="2000"/>

--- a/scripts/includes/theme.pptx
+++ b/scripts/includes/theme.pptx
@@ -212,7 +212,7 @@
           <a:p>
             <a:fld id="{728AA843-2E0F-4143-82E9-3671A2E63393}" type="datetimeFigureOut">
               <a:rPr lang="en-CA" smtClean="0"/>
-              <a:t>2023-11-04</a:t>
+              <a:t>2023-11-10</a:t>
             </a:fld>
             <a:endParaRPr lang="en-CA"/>
           </a:p>
@@ -456,7 +456,7 @@
           <a:p>
             <a:fld id="{D220F1D1-6C19-4F4B-92BA-F04860C94A09}" type="datetimeFigureOut">
               <a:rPr lang="en-CA" smtClean="0"/>
-              <a:t>2023-11-04</a:t>
+              <a:t>2023-11-10</a:t>
             </a:fld>
             <a:endParaRPr lang="en-CA"/>
           </a:p>
@@ -656,7 +656,7 @@
           <a:p>
             <a:fld id="{D220F1D1-6C19-4F4B-92BA-F04860C94A09}" type="datetimeFigureOut">
               <a:rPr lang="en-CA" smtClean="0"/>
-              <a:t>2023-11-04</a:t>
+              <a:t>2023-11-10</a:t>
             </a:fld>
             <a:endParaRPr lang="en-CA"/>
           </a:p>
@@ -866,7 +866,7 @@
           <a:p>
             <a:fld id="{D220F1D1-6C19-4F4B-92BA-F04860C94A09}" type="datetimeFigureOut">
               <a:rPr lang="en-CA" smtClean="0"/>
-              <a:t>2023-11-04</a:t>
+              <a:t>2023-11-10</a:t>
             </a:fld>
             <a:endParaRPr lang="en-CA"/>
           </a:p>
@@ -1073,7 +1073,7 @@
           <a:p>
             <a:fld id="{D220F1D1-6C19-4F4B-92BA-F04860C94A09}" type="datetimeFigureOut">
               <a:rPr lang="en-CA" smtClean="0"/>
-              <a:t>2023-11-04</a:t>
+              <a:t>2023-11-10</a:t>
             </a:fld>
             <a:endParaRPr lang="en-CA"/>
           </a:p>
@@ -1172,7 +1172,7 @@
           </a:bodyPr>
           <a:lstStyle>
             <a:lvl1pPr algn="ctr">
-              <a:defRPr sz="3200"/>
+              <a:defRPr sz="3600"/>
             </a:lvl1pPr>
           </a:lstStyle>
           <a:p>
@@ -1400,7 +1400,7 @@
           <a:p>
             <a:fld id="{D220F1D1-6C19-4F4B-92BA-F04860C94A09}" type="datetimeFigureOut">
               <a:rPr lang="en-CA" smtClean="0"/>
-              <a:t>2023-11-04</a:t>
+              <a:t>2023-11-10</a:t>
             </a:fld>
             <a:endParaRPr lang="en-CA"/>
           </a:p>
@@ -1716,7 +1716,7 @@
           <a:p>
             <a:fld id="{D220F1D1-6C19-4F4B-92BA-F04860C94A09}" type="datetimeFigureOut">
               <a:rPr lang="en-CA" smtClean="0"/>
-              <a:t>2023-11-04</a:t>
+              <a:t>2023-11-10</a:t>
             </a:fld>
             <a:endParaRPr lang="en-CA"/>
           </a:p>
@@ -2141,7 +2141,7 @@
           <a:p>
             <a:fld id="{D220F1D1-6C19-4F4B-92BA-F04860C94A09}" type="datetimeFigureOut">
               <a:rPr lang="en-CA" smtClean="0"/>
-              <a:t>2023-11-04</a:t>
+              <a:t>2023-11-10</a:t>
             </a:fld>
             <a:endParaRPr lang="en-CA"/>
           </a:p>
@@ -2283,7 +2283,7 @@
           <a:p>
             <a:fld id="{D220F1D1-6C19-4F4B-92BA-F04860C94A09}" type="datetimeFigureOut">
               <a:rPr lang="en-CA" smtClean="0"/>
-              <a:t>2023-11-04</a:t>
+              <a:t>2023-11-10</a:t>
             </a:fld>
             <a:endParaRPr lang="en-CA"/>
           </a:p>
@@ -2396,7 +2396,7 @@
           <a:p>
             <a:fld id="{D220F1D1-6C19-4F4B-92BA-F04860C94A09}" type="datetimeFigureOut">
               <a:rPr lang="en-CA" smtClean="0"/>
-              <a:t>2023-11-04</a:t>
+              <a:t>2023-11-10</a:t>
             </a:fld>
             <a:endParaRPr lang="en-CA"/>
           </a:p>
@@ -2709,7 +2709,7 @@
           <a:p>
             <a:fld id="{D220F1D1-6C19-4F4B-92BA-F04860C94A09}" type="datetimeFigureOut">
               <a:rPr lang="en-CA" smtClean="0"/>
-              <a:t>2023-11-04</a:t>
+              <a:t>2023-11-10</a:t>
             </a:fld>
             <a:endParaRPr lang="en-CA"/>
           </a:p>
@@ -2998,7 +2998,7 @@
           <a:p>
             <a:fld id="{D220F1D1-6C19-4F4B-92BA-F04860C94A09}" type="datetimeFigureOut">
               <a:rPr lang="en-CA" smtClean="0"/>
-              <a:t>2023-11-04</a:t>
+              <a:t>2023-11-10</a:t>
             </a:fld>
             <a:endParaRPr lang="en-CA"/>
           </a:p>
@@ -3251,7 +3251,7 @@
           <a:p>
             <a:fld id="{D220F1D1-6C19-4F4B-92BA-F04860C94A09}" type="datetimeFigureOut">
               <a:rPr lang="en-CA" smtClean="0"/>
-              <a:t>2023-11-04</a:t>
+              <a:t>2023-11-10</a:t>
             </a:fld>
             <a:endParaRPr lang="en-CA"/>
           </a:p>

--- a/scripts/includes/theme.pptx
+++ b/scripts/includes/theme.pptx
@@ -212,7 +212,7 @@
           <a:p>
             <a:fld id="{728AA843-2E0F-4143-82E9-3671A2E63393}" type="datetimeFigureOut">
               <a:rPr lang="en-CA" smtClean="0"/>
-              <a:t>2023-11-10</a:t>
+              <a:t>2024-01-07</a:t>
             </a:fld>
             <a:endParaRPr lang="en-CA"/>
           </a:p>
@@ -456,7 +456,7 @@
           <a:p>
             <a:fld id="{D220F1D1-6C19-4F4B-92BA-F04860C94A09}" type="datetimeFigureOut">
               <a:rPr lang="en-CA" smtClean="0"/>
-              <a:t>2023-11-10</a:t>
+              <a:t>2024-01-07</a:t>
             </a:fld>
             <a:endParaRPr lang="en-CA"/>
           </a:p>
@@ -656,7 +656,7 @@
           <a:p>
             <a:fld id="{D220F1D1-6C19-4F4B-92BA-F04860C94A09}" type="datetimeFigureOut">
               <a:rPr lang="en-CA" smtClean="0"/>
-              <a:t>2023-11-10</a:t>
+              <a:t>2024-01-07</a:t>
             </a:fld>
             <a:endParaRPr lang="en-CA"/>
           </a:p>
@@ -866,7 +866,7 @@
           <a:p>
             <a:fld id="{D220F1D1-6C19-4F4B-92BA-F04860C94A09}" type="datetimeFigureOut">
               <a:rPr lang="en-CA" smtClean="0"/>
-              <a:t>2023-11-10</a:t>
+              <a:t>2024-01-07</a:t>
             </a:fld>
             <a:endParaRPr lang="en-CA"/>
           </a:p>
@@ -1073,7 +1073,7 @@
           <a:p>
             <a:fld id="{D220F1D1-6C19-4F4B-92BA-F04860C94A09}" type="datetimeFigureOut">
               <a:rPr lang="en-CA" smtClean="0"/>
-              <a:t>2023-11-10</a:t>
+              <a:t>2024-01-07</a:t>
             </a:fld>
             <a:endParaRPr lang="en-CA"/>
           </a:p>
@@ -1097,7 +1097,7 @@
         </p:nvSpPr>
         <p:spPr>
           <a:xfrm>
-            <a:off x="5410199" y="6357600"/>
+            <a:off x="4038600" y="6357600"/>
             <a:ext cx="4114800" cy="363600"/>
           </a:xfrm>
         </p:spPr>
@@ -1400,7 +1400,7 @@
           <a:p>
             <a:fld id="{D220F1D1-6C19-4F4B-92BA-F04860C94A09}" type="datetimeFigureOut">
               <a:rPr lang="en-CA" smtClean="0"/>
-              <a:t>2023-11-10</a:t>
+              <a:t>2024-01-07</a:t>
             </a:fld>
             <a:endParaRPr lang="en-CA"/>
           </a:p>
@@ -1716,7 +1716,7 @@
           <a:p>
             <a:fld id="{D220F1D1-6C19-4F4B-92BA-F04860C94A09}" type="datetimeFigureOut">
               <a:rPr lang="en-CA" smtClean="0"/>
-              <a:t>2023-11-10</a:t>
+              <a:t>2024-01-07</a:t>
             </a:fld>
             <a:endParaRPr lang="en-CA"/>
           </a:p>
@@ -1740,7 +1740,7 @@
         </p:nvSpPr>
         <p:spPr>
           <a:xfrm>
-            <a:off x="5410198" y="6356791"/>
+            <a:off x="4038600" y="6356789"/>
             <a:ext cx="4114800" cy="365125"/>
           </a:xfrm>
         </p:spPr>
@@ -1843,10 +1843,10 @@
           <a:lstStyle/>
           <a:p>
             <a:r>
-              <a:rPr lang="en-US"/>
+              <a:rPr lang="en-US" dirty="0"/>
               <a:t>Click to edit Master title style</a:t>
             </a:r>
-            <a:endParaRPr lang="en-CA"/>
+            <a:endParaRPr lang="en-CA" dirty="0"/>
           </a:p>
         </p:txBody>
       </p:sp>
@@ -2141,7 +2141,7 @@
           <a:p>
             <a:fld id="{D220F1D1-6C19-4F4B-92BA-F04860C94A09}" type="datetimeFigureOut">
               <a:rPr lang="en-CA" smtClean="0"/>
-              <a:t>2023-11-10</a:t>
+              <a:t>2024-01-07</a:t>
             </a:fld>
             <a:endParaRPr lang="en-CA"/>
           </a:p>
@@ -2253,10 +2253,10 @@
           <a:lstStyle/>
           <a:p>
             <a:r>
-              <a:rPr lang="en-US"/>
+              <a:rPr lang="en-US" dirty="0"/>
               <a:t>Click to edit Master title style</a:t>
             </a:r>
-            <a:endParaRPr lang="en-CA"/>
+            <a:endParaRPr lang="en-CA" dirty="0"/>
           </a:p>
         </p:txBody>
       </p:sp>
@@ -2283,7 +2283,7 @@
           <a:p>
             <a:fld id="{D220F1D1-6C19-4F4B-92BA-F04860C94A09}" type="datetimeFigureOut">
               <a:rPr lang="en-CA" smtClean="0"/>
-              <a:t>2023-11-10</a:t>
+              <a:t>2024-01-07</a:t>
             </a:fld>
             <a:endParaRPr lang="en-CA"/>
           </a:p>
@@ -2396,7 +2396,7 @@
           <a:p>
             <a:fld id="{D220F1D1-6C19-4F4B-92BA-F04860C94A09}" type="datetimeFigureOut">
               <a:rPr lang="en-CA" smtClean="0"/>
-              <a:t>2023-11-10</a:t>
+              <a:t>2024-01-07</a:t>
             </a:fld>
             <a:endParaRPr lang="en-CA"/>
           </a:p>
@@ -2509,18 +2509,20 @@
           </a:xfrm>
         </p:spPr>
         <p:txBody>
-          <a:bodyPr anchor="b"/>
+          <a:bodyPr anchor="b">
+            <a:normAutofit/>
+          </a:bodyPr>
           <a:lstStyle>
             <a:lvl1pPr>
-              <a:defRPr sz="3200"/>
+              <a:defRPr sz="3600"/>
             </a:lvl1pPr>
           </a:lstStyle>
           <a:p>
             <a:r>
-              <a:rPr lang="en-US"/>
+              <a:rPr lang="en-US" dirty="0"/>
               <a:t>Click to edit Master title style</a:t>
             </a:r>
-            <a:endParaRPr lang="en-CA"/>
+            <a:endParaRPr lang="en-CA" dirty="0"/>
           </a:p>
         </p:txBody>
       </p:sp>
@@ -2542,8 +2544,8 @@
         </p:nvSpPr>
         <p:spPr>
           <a:xfrm>
-            <a:off x="5183188" y="987425"/>
-            <a:ext cx="6172200" cy="4873625"/>
+            <a:off x="4772025" y="457200"/>
+            <a:ext cx="6583363" cy="5411787"/>
           </a:xfrm>
         </p:spPr>
         <p:txBody>
@@ -2638,11 +2640,13 @@
           </a:xfrm>
         </p:spPr>
         <p:txBody>
-          <a:bodyPr/>
+          <a:bodyPr>
+            <a:normAutofit/>
+          </a:bodyPr>
           <a:lstStyle>
             <a:lvl1pPr marL="0" indent="0">
               <a:buNone/>
-              <a:defRPr sz="1600"/>
+              <a:defRPr sz="2000"/>
             </a:lvl1pPr>
             <a:lvl2pPr marL="457200" indent="0">
               <a:buNone/>
@@ -2680,7 +2684,7 @@
           <a:p>
             <a:pPr lvl="0"/>
             <a:r>
-              <a:rPr lang="en-US"/>
+              <a:rPr lang="en-US" dirty="0"/>
               <a:t>Click to edit Master text styles</a:t>
             </a:r>
           </a:p>
@@ -2709,7 +2713,7 @@
           <a:p>
             <a:fld id="{D220F1D1-6C19-4F4B-92BA-F04860C94A09}" type="datetimeFigureOut">
               <a:rPr lang="en-CA" smtClean="0"/>
-              <a:t>2023-11-10</a:t>
+              <a:t>2024-01-07</a:t>
             </a:fld>
             <a:endParaRPr lang="en-CA"/>
           </a:p>
@@ -2822,18 +2826,20 @@
           </a:xfrm>
         </p:spPr>
         <p:txBody>
-          <a:bodyPr anchor="b"/>
+          <a:bodyPr anchor="b">
+            <a:normAutofit/>
+          </a:bodyPr>
           <a:lstStyle>
             <a:lvl1pPr>
-              <a:defRPr sz="3200"/>
+              <a:defRPr sz="3600"/>
             </a:lvl1pPr>
           </a:lstStyle>
           <a:p>
             <a:r>
-              <a:rPr lang="en-US"/>
+              <a:rPr lang="en-US" dirty="0"/>
               <a:t>Click to edit Master title style</a:t>
             </a:r>
-            <a:endParaRPr lang="en-CA"/>
+            <a:endParaRPr lang="en-CA" dirty="0"/>
           </a:p>
         </p:txBody>
       </p:sp>
@@ -2931,7 +2937,7 @@
           <a:lstStyle>
             <a:lvl1pPr marL="0" indent="0">
               <a:buNone/>
-              <a:defRPr sz="1600"/>
+              <a:defRPr sz="2000"/>
             </a:lvl1pPr>
             <a:lvl2pPr marL="457200" indent="0">
               <a:buNone/>
@@ -2969,7 +2975,7 @@
           <a:p>
             <a:pPr lvl="0"/>
             <a:r>
-              <a:rPr lang="en-US"/>
+              <a:rPr lang="en-US" dirty="0"/>
               <a:t>Click to edit Master text styles</a:t>
             </a:r>
           </a:p>
@@ -2998,7 +3004,7 @@
           <a:p>
             <a:fld id="{D220F1D1-6C19-4F4B-92BA-F04860C94A09}" type="datetimeFigureOut">
               <a:rPr lang="en-CA" smtClean="0"/>
-              <a:t>2023-11-10</a:t>
+              <a:t>2024-01-07</a:t>
             </a:fld>
             <a:endParaRPr lang="en-CA"/>
           </a:p>
@@ -3022,7 +3028,7 @@
         </p:nvSpPr>
         <p:spPr>
           <a:xfrm>
-            <a:off x="5410994" y="6349221"/>
+            <a:off x="4038600" y="6356350"/>
             <a:ext cx="4114800" cy="365125"/>
           </a:xfrm>
         </p:spPr>
@@ -3251,7 +3257,7 @@
           <a:p>
             <a:fld id="{D220F1D1-6C19-4F4B-92BA-F04860C94A09}" type="datetimeFigureOut">
               <a:rPr lang="en-CA" smtClean="0"/>
-              <a:t>2023-11-10</a:t>
+              <a:t>2024-01-07</a:t>
             </a:fld>
             <a:endParaRPr lang="en-CA"/>
           </a:p>

--- a/scripts/includes/theme.pptx
+++ b/scripts/includes/theme.pptx
@@ -212,7 +212,7 @@
           <a:p>
             <a:fld id="{728AA843-2E0F-4143-82E9-3671A2E63393}" type="datetimeFigureOut">
               <a:rPr lang="en-CA" smtClean="0"/>
-              <a:t>2024-01-07</a:t>
+              <a:t>2024-02-25</a:t>
             </a:fld>
             <a:endParaRPr lang="en-CA"/>
           </a:p>
@@ -456,7 +456,7 @@
           <a:p>
             <a:fld id="{D220F1D1-6C19-4F4B-92BA-F04860C94A09}" type="datetimeFigureOut">
               <a:rPr lang="en-CA" smtClean="0"/>
-              <a:t>2024-01-07</a:t>
+              <a:t>2024-02-25</a:t>
             </a:fld>
             <a:endParaRPr lang="en-CA"/>
           </a:p>
@@ -526,6 +526,22 @@
   <p:clrMapOvr>
     <a:masterClrMapping/>
   </p:clrMapOvr>
+  <p:extLst>
+    <p:ext uri="{DCECCB84-F9BA-43D5-87BE-67443E8EF086}">
+      <p15:sldGuideLst xmlns:p15="http://schemas.microsoft.com/office/powerpoint/2012/main">
+        <p15:guide id="1" orient="horz" pos="2160" userDrawn="1">
+          <p15:clr>
+            <a:srgbClr val="FBAE40"/>
+          </p15:clr>
+        </p15:guide>
+        <p15:guide id="2" pos="3840" userDrawn="1">
+          <p15:clr>
+            <a:srgbClr val="FBAE40"/>
+          </p15:clr>
+        </p15:guide>
+      </p15:sldGuideLst>
+    </p:ext>
+  </p:extLst>
 </p:sldLayout>
 </file>
 
@@ -656,7 +672,7 @@
           <a:p>
             <a:fld id="{D220F1D1-6C19-4F4B-92BA-F04860C94A09}" type="datetimeFigureOut">
               <a:rPr lang="en-CA" smtClean="0"/>
-              <a:t>2024-01-07</a:t>
+              <a:t>2024-02-25</a:t>
             </a:fld>
             <a:endParaRPr lang="en-CA"/>
           </a:p>
@@ -866,7 +882,7 @@
           <a:p>
             <a:fld id="{D220F1D1-6C19-4F4B-92BA-F04860C94A09}" type="datetimeFigureOut">
               <a:rPr lang="en-CA" smtClean="0"/>
-              <a:t>2024-01-07</a:t>
+              <a:t>2024-02-25</a:t>
             </a:fld>
             <a:endParaRPr lang="en-CA"/>
           </a:p>
@@ -958,112 +974,23 @@
       </p:grpSpPr>
       <p:sp>
         <p:nvSpPr>
-          <p:cNvPr id="3" name="Content Placeholder 2">
-            <a:extLst>
-              <a:ext uri="{FF2B5EF4-FFF2-40B4-BE49-F238E27FC236}">
-                <a16:creationId xmlns:a16="http://schemas.microsoft.com/office/drawing/2014/main" id="{A367B2C7-D0B7-3462-0EE7-3AE58AD1AA5A}"/>
-              </a:ext>
-            </a:extLst>
-          </p:cNvPr>
-          <p:cNvSpPr>
-            <a:spLocks noGrp="1"/>
-          </p:cNvSpPr>
-          <p:nvPr>
-            <p:ph idx="1"/>
+          <p:cNvPr id="4" name="Date Placeholder 3">
+            <a:extLst>
+              <a:ext uri="{FF2B5EF4-FFF2-40B4-BE49-F238E27FC236}">
+                <a16:creationId xmlns:a16="http://schemas.microsoft.com/office/drawing/2014/main" id="{04536BC9-5B0F-BE1B-8458-884A208E899F}"/>
+              </a:ext>
+            </a:extLst>
+          </p:cNvPr>
+          <p:cNvSpPr>
+            <a:spLocks noGrp="1"/>
+          </p:cNvSpPr>
+          <p:nvPr>
+            <p:ph type="dt" sz="half" idx="10"/>
           </p:nvPr>
         </p:nvSpPr>
         <p:spPr>
           <a:xfrm>
-            <a:off x="3581398" y="601475"/>
-            <a:ext cx="7772403" cy="5655050"/>
-          </a:xfrm>
-        </p:spPr>
-        <p:txBody>
-          <a:bodyPr anchor="ctr"/>
-          <a:lstStyle>
-            <a:lvl1pPr marL="0" indent="0">
-              <a:buFont typeface="+mj-lt"/>
-              <a:buNone/>
-              <a:defRPr/>
-            </a:lvl1pPr>
-            <a:lvl2pPr marL="203400" indent="0">
-              <a:buFont typeface="+mj-lt"/>
-              <a:buNone/>
-              <a:defRPr sz="2000"/>
-            </a:lvl2pPr>
-            <a:lvl3pPr marL="383400" indent="0">
-              <a:buFont typeface="+mj-lt"/>
-              <a:buNone/>
-              <a:defRPr sz="1800"/>
-            </a:lvl3pPr>
-            <a:lvl4pPr marL="563400" indent="0">
-              <a:buFont typeface="+mj-lt"/>
-              <a:buNone/>
-              <a:defRPr sz="1600"/>
-            </a:lvl4pPr>
-            <a:lvl5pPr marL="743400" indent="0">
-              <a:buFont typeface="+mj-lt"/>
-              <a:buNone/>
-              <a:defRPr sz="1400"/>
-            </a:lvl5pPr>
-          </a:lstStyle>
-          <a:p>
-            <a:pPr lvl="0"/>
-            <a:r>
-              <a:rPr lang="en-US" dirty="0"/>
-              <a:t>Click to edit Master text styles</a:t>
-            </a:r>
-          </a:p>
-          <a:p>
-            <a:pPr lvl="1"/>
-            <a:r>
-              <a:rPr lang="en-US" dirty="0"/>
-              <a:t>Second level</a:t>
-            </a:r>
-          </a:p>
-          <a:p>
-            <a:pPr lvl="2"/>
-            <a:r>
-              <a:rPr lang="en-US" dirty="0"/>
-              <a:t>Third level</a:t>
-            </a:r>
-          </a:p>
-          <a:p>
-            <a:pPr lvl="3"/>
-            <a:r>
-              <a:rPr lang="en-US" dirty="0"/>
-              <a:t>Fourth level</a:t>
-            </a:r>
-          </a:p>
-          <a:p>
-            <a:pPr lvl="4"/>
-            <a:r>
-              <a:rPr lang="en-US" dirty="0"/>
-              <a:t>Fifth level</a:t>
-            </a:r>
-            <a:endParaRPr lang="en-CA" dirty="0"/>
-          </a:p>
-        </p:txBody>
-      </p:sp>
-      <p:sp>
-        <p:nvSpPr>
-          <p:cNvPr id="4" name="Date Placeholder 3">
-            <a:extLst>
-              <a:ext uri="{FF2B5EF4-FFF2-40B4-BE49-F238E27FC236}">
-                <a16:creationId xmlns:a16="http://schemas.microsoft.com/office/drawing/2014/main" id="{04536BC9-5B0F-BE1B-8458-884A208E899F}"/>
-              </a:ext>
-            </a:extLst>
-          </p:cNvPr>
-          <p:cNvSpPr>
-            <a:spLocks noGrp="1"/>
-          </p:cNvSpPr>
-          <p:nvPr>
-            <p:ph type="dt" sz="half" idx="10"/>
-          </p:nvPr>
-        </p:nvSpPr>
-        <p:spPr>
-          <a:xfrm>
-            <a:off x="838198" y="6357600"/>
+            <a:off x="360000" y="6357600"/>
             <a:ext cx="2743200" cy="363600"/>
           </a:xfrm>
         </p:spPr>
@@ -1073,7 +1000,7 @@
           <a:p>
             <a:fld id="{D220F1D1-6C19-4F4B-92BA-F04860C94A09}" type="datetimeFigureOut">
               <a:rPr lang="en-CA" smtClean="0"/>
-              <a:t>2024-01-07</a:t>
+              <a:t>2024-02-25</a:t>
             </a:fld>
             <a:endParaRPr lang="en-CA"/>
           </a:p>
@@ -1127,7 +1054,7 @@
         </p:nvSpPr>
         <p:spPr>
           <a:xfrm>
-            <a:off x="10633800" y="6357600"/>
+            <a:off x="11112000" y="6357600"/>
             <a:ext cx="720000" cy="363600"/>
           </a:xfrm>
         </p:spPr>
@@ -1161,8 +1088,8 @@
         </p:nvSpPr>
         <p:spPr>
           <a:xfrm>
-            <a:off x="838199" y="601475"/>
-            <a:ext cx="2743200" cy="5655050"/>
+            <a:off x="359999" y="601475"/>
+            <a:ext cx="4306593" cy="5655050"/>
           </a:xfrm>
           <a:noFill/>
         </p:spPr>
@@ -1179,6 +1106,85 @@
             <a:r>
               <a:rPr lang="en-US" dirty="0"/>
               <a:t>Click to edit Master title style</a:t>
+            </a:r>
+            <a:endParaRPr lang="en-CA" dirty="0"/>
+          </a:p>
+        </p:txBody>
+      </p:sp>
+      <p:sp>
+        <p:nvSpPr>
+          <p:cNvPr id="3" name="Content Placeholder 3">
+            <a:extLst>
+              <a:ext uri="{FF2B5EF4-FFF2-40B4-BE49-F238E27FC236}">
+                <a16:creationId xmlns:a16="http://schemas.microsoft.com/office/drawing/2014/main" id="{3DA5297F-80D8-B31F-C3CE-C6F54DC845B4}"/>
+              </a:ext>
+            </a:extLst>
+          </p:cNvPr>
+          <p:cNvSpPr>
+            <a:spLocks noGrp="1"/>
+          </p:cNvSpPr>
+          <p:nvPr>
+            <p:ph sz="half" idx="2"/>
+          </p:nvPr>
+        </p:nvSpPr>
+        <p:spPr>
+          <a:xfrm>
+            <a:off x="4666592" y="601475"/>
+            <a:ext cx="7165509" cy="5655600"/>
+          </a:xfrm>
+        </p:spPr>
+        <p:txBody>
+          <a:bodyPr anchor="ctr"/>
+          <a:lstStyle>
+            <a:lvl1pPr indent="-156600">
+              <a:defRPr/>
+            </a:lvl1pPr>
+            <a:lvl2pPr marL="361800" indent="-156600">
+              <a:defRPr/>
+            </a:lvl2pPr>
+            <a:lvl3pPr marL="540000" indent="-156600">
+              <a:defRPr/>
+            </a:lvl3pPr>
+            <a:lvl4pPr marL="720000" indent="-156600">
+              <a:defRPr/>
+            </a:lvl4pPr>
+            <a:lvl5pPr marL="900000" indent="-156600">
+              <a:defRPr/>
+            </a:lvl5pPr>
+          </a:lstStyle>
+          <a:p>
+            <a:pPr lvl="0"/>
+            <a:r>
+              <a:rPr lang="en-US" dirty="0"/>
+              <a:t>Click to edit Master text styles</a:t>
+            </a:r>
+          </a:p>
+          <a:p>
+            <a:pPr lvl="1"/>
+            <a:r>
+              <a:rPr lang="en-US" dirty="0"/>
+              <a:t>Second level</a:t>
+            </a:r>
+          </a:p>
+          <a:p>
+            <a:pPr lvl="2"/>
+            <a:r>
+              <a:rPr lang="en-US" dirty="0"/>
+              <a:t>Third level</a:t>
+            </a:r>
+          </a:p>
+          <a:p>
+            <a:pPr lvl="3"/>
+            <a:r>
+              <a:rPr lang="en-US" dirty="0"/>
+              <a:t>Fourth level</a:t>
+            </a:r>
+          </a:p>
+          <a:p>
+            <a:pPr lvl="4"/>
+            <a:r>
+              <a:rPr lang="en-US" dirty="0"/>
+              <a:t>Fifth level</a:t>
             </a:r>
             <a:endParaRPr lang="en-CA" dirty="0"/>
           </a:p>
@@ -1400,7 +1406,7 @@
           <a:p>
             <a:fld id="{D220F1D1-6C19-4F4B-92BA-F04860C94A09}" type="datetimeFigureOut">
               <a:rPr lang="en-CA" smtClean="0"/>
-              <a:t>2024-01-07</a:t>
+              <a:t>2024-02-25</a:t>
             </a:fld>
             <a:endParaRPr lang="en-CA"/>
           </a:p>
@@ -1474,7 +1480,7 @@
 </file>
 
 <file path=ppt/slideLayouts/slideLayout4.xml><?xml version="1.0" encoding="utf-8"?>
-<p:sldLayout xmlns:a="http://schemas.openxmlformats.org/drawingml/2006/main" xmlns:r="http://schemas.openxmlformats.org/officeDocument/2006/relationships" xmlns:p="http://schemas.openxmlformats.org/presentationml/2006/main" type="twoObj" preserve="1">
+<p:sldLayout xmlns:a="http://schemas.openxmlformats.org/drawingml/2006/main" xmlns:r="http://schemas.openxmlformats.org/officeDocument/2006/relationships" xmlns:p="http://schemas.openxmlformats.org/presentationml/2006/main" preserve="1" userDrawn="1">
   <p:cSld name="Two Content">
     <p:spTree>
       <p:nvGrpSpPr>
@@ -1508,12 +1514,12 @@
         </p:nvSpPr>
         <p:spPr>
           <a:xfrm>
-            <a:off x="838199" y="600925"/>
-            <a:ext cx="2743198" cy="1833813"/>
+            <a:off x="359895" y="600925"/>
+            <a:ext cx="4285678" cy="1833813"/>
           </a:xfrm>
         </p:spPr>
         <p:txBody>
-          <a:bodyPr>
+          <a:bodyPr anchor="t">
             <a:normAutofit/>
           </a:bodyPr>
           <a:lstStyle>
@@ -1548,8 +1554,8 @@
         </p:nvSpPr>
         <p:spPr>
           <a:xfrm>
-            <a:off x="838199" y="2435289"/>
-            <a:ext cx="2743199" cy="3821235"/>
+            <a:off x="359896" y="2435289"/>
+            <a:ext cx="4285677" cy="3821235"/>
           </a:xfrm>
         </p:spPr>
         <p:txBody>
@@ -1611,24 +1617,122 @@
       </p:sp>
       <p:sp>
         <p:nvSpPr>
-          <p:cNvPr id="4" name="Content Placeholder 3">
-            <a:extLst>
-              <a:ext uri="{FF2B5EF4-FFF2-40B4-BE49-F238E27FC236}">
-                <a16:creationId xmlns:a16="http://schemas.microsoft.com/office/drawing/2014/main" id="{54939CD7-8F7A-4839-08CA-88ABDA5C30AC}"/>
-              </a:ext>
-            </a:extLst>
-          </p:cNvPr>
-          <p:cNvSpPr>
-            <a:spLocks noGrp="1"/>
-          </p:cNvSpPr>
-          <p:nvPr>
-            <p:ph sz="half" idx="2"/>
+          <p:cNvPr id="5" name="Date Placeholder 4">
+            <a:extLst>
+              <a:ext uri="{FF2B5EF4-FFF2-40B4-BE49-F238E27FC236}">
+                <a16:creationId xmlns:a16="http://schemas.microsoft.com/office/drawing/2014/main" id="{16B59EA5-77E4-7FD8-EC61-65F0A858221D}"/>
+              </a:ext>
+            </a:extLst>
+          </p:cNvPr>
+          <p:cNvSpPr>
+            <a:spLocks noGrp="1"/>
+          </p:cNvSpPr>
+          <p:nvPr>
+            <p:ph type="dt" sz="half" idx="10"/>
           </p:nvPr>
         </p:nvSpPr>
         <p:spPr>
           <a:xfrm>
-            <a:off x="3581398" y="601475"/>
-            <a:ext cx="7772400" cy="5655600"/>
+            <a:off x="359896" y="6356789"/>
+            <a:ext cx="2743200" cy="365125"/>
+          </a:xfrm>
+        </p:spPr>
+        <p:txBody>
+          <a:bodyPr/>
+          <a:lstStyle/>
+          <a:p>
+            <a:fld id="{D220F1D1-6C19-4F4B-92BA-F04860C94A09}" type="datetimeFigureOut">
+              <a:rPr lang="en-CA" smtClean="0"/>
+              <a:t>2024-02-25</a:t>
+            </a:fld>
+            <a:endParaRPr lang="en-CA"/>
+          </a:p>
+        </p:txBody>
+      </p:sp>
+      <p:sp>
+        <p:nvSpPr>
+          <p:cNvPr id="6" name="Footer Placeholder 5">
+            <a:extLst>
+              <a:ext uri="{FF2B5EF4-FFF2-40B4-BE49-F238E27FC236}">
+                <a16:creationId xmlns:a16="http://schemas.microsoft.com/office/drawing/2014/main" id="{7AE4789C-E1AB-E19E-DF49-46E89AA06564}"/>
+              </a:ext>
+            </a:extLst>
+          </p:cNvPr>
+          <p:cNvSpPr>
+            <a:spLocks noGrp="1"/>
+          </p:cNvSpPr>
+          <p:nvPr>
+            <p:ph type="ftr" sz="quarter" idx="11"/>
+          </p:nvPr>
+        </p:nvSpPr>
+        <p:spPr>
+          <a:xfrm>
+            <a:off x="4038600" y="6356789"/>
+            <a:ext cx="4114800" cy="365125"/>
+          </a:xfrm>
+        </p:spPr>
+        <p:txBody>
+          <a:bodyPr/>
+          <a:lstStyle/>
+          <a:p>
+            <a:endParaRPr lang="en-CA"/>
+          </a:p>
+        </p:txBody>
+      </p:sp>
+      <p:sp>
+        <p:nvSpPr>
+          <p:cNvPr id="7" name="Slide Number Placeholder 6">
+            <a:extLst>
+              <a:ext uri="{FF2B5EF4-FFF2-40B4-BE49-F238E27FC236}">
+                <a16:creationId xmlns:a16="http://schemas.microsoft.com/office/drawing/2014/main" id="{CEB77ADF-1A97-A225-C3E4-89B3399F193E}"/>
+              </a:ext>
+            </a:extLst>
+          </p:cNvPr>
+          <p:cNvSpPr>
+            <a:spLocks noGrp="1"/>
+          </p:cNvSpPr>
+          <p:nvPr>
+            <p:ph type="sldNum" sz="quarter" idx="12"/>
+          </p:nvPr>
+        </p:nvSpPr>
+        <p:spPr>
+          <a:xfrm>
+            <a:off x="11112104" y="6356789"/>
+            <a:ext cx="720000" cy="365125"/>
+          </a:xfrm>
+        </p:spPr>
+        <p:txBody>
+          <a:bodyPr/>
+          <a:lstStyle/>
+          <a:p>
+            <a:fld id="{A1C531C1-D099-4540-874C-17240FB731D1}" type="slidenum">
+              <a:rPr lang="en-CA" smtClean="0"/>
+              <a:t>‹#›</a:t>
+            </a:fld>
+            <a:endParaRPr lang="en-CA"/>
+          </a:p>
+        </p:txBody>
+      </p:sp>
+      <p:sp>
+        <p:nvSpPr>
+          <p:cNvPr id="4" name="Content Placeholder 3">
+            <a:extLst>
+              <a:ext uri="{FF2B5EF4-FFF2-40B4-BE49-F238E27FC236}">
+                <a16:creationId xmlns:a16="http://schemas.microsoft.com/office/drawing/2014/main" id="{D6987BD2-AE58-4181-3DD9-3C2FF553B84B}"/>
+              </a:ext>
+            </a:extLst>
+          </p:cNvPr>
+          <p:cNvSpPr>
+            <a:spLocks noGrp="1"/>
+          </p:cNvSpPr>
+          <p:nvPr>
+            <p:ph sz="half" idx="2"/>
+          </p:nvPr>
+        </p:nvSpPr>
+        <p:spPr>
+          <a:xfrm>
+            <a:off x="4666592" y="601475"/>
+            <a:ext cx="7165509" cy="5655600"/>
           </a:xfrm>
         </p:spPr>
         <p:txBody>
@@ -1685,104 +1789,6 @@
               <a:t>Fifth level</a:t>
             </a:r>
             <a:endParaRPr lang="en-CA" dirty="0"/>
-          </a:p>
-        </p:txBody>
-      </p:sp>
-      <p:sp>
-        <p:nvSpPr>
-          <p:cNvPr id="5" name="Date Placeholder 4">
-            <a:extLst>
-              <a:ext uri="{FF2B5EF4-FFF2-40B4-BE49-F238E27FC236}">
-                <a16:creationId xmlns:a16="http://schemas.microsoft.com/office/drawing/2014/main" id="{16B59EA5-77E4-7FD8-EC61-65F0A858221D}"/>
-              </a:ext>
-            </a:extLst>
-          </p:cNvPr>
-          <p:cNvSpPr>
-            <a:spLocks noGrp="1"/>
-          </p:cNvSpPr>
-          <p:nvPr>
-            <p:ph type="dt" sz="half" idx="10"/>
-          </p:nvPr>
-        </p:nvSpPr>
-        <p:spPr>
-          <a:xfrm>
-            <a:off x="838197" y="6356792"/>
-            <a:ext cx="2743200" cy="365125"/>
-          </a:xfrm>
-        </p:spPr>
-        <p:txBody>
-          <a:bodyPr/>
-          <a:lstStyle/>
-          <a:p>
-            <a:fld id="{D220F1D1-6C19-4F4B-92BA-F04860C94A09}" type="datetimeFigureOut">
-              <a:rPr lang="en-CA" smtClean="0"/>
-              <a:t>2024-01-07</a:t>
-            </a:fld>
-            <a:endParaRPr lang="en-CA"/>
-          </a:p>
-        </p:txBody>
-      </p:sp>
-      <p:sp>
-        <p:nvSpPr>
-          <p:cNvPr id="6" name="Footer Placeholder 5">
-            <a:extLst>
-              <a:ext uri="{FF2B5EF4-FFF2-40B4-BE49-F238E27FC236}">
-                <a16:creationId xmlns:a16="http://schemas.microsoft.com/office/drawing/2014/main" id="{7AE4789C-E1AB-E19E-DF49-46E89AA06564}"/>
-              </a:ext>
-            </a:extLst>
-          </p:cNvPr>
-          <p:cNvSpPr>
-            <a:spLocks noGrp="1"/>
-          </p:cNvSpPr>
-          <p:nvPr>
-            <p:ph type="ftr" sz="quarter" idx="11"/>
-          </p:nvPr>
-        </p:nvSpPr>
-        <p:spPr>
-          <a:xfrm>
-            <a:off x="4038600" y="6356789"/>
-            <a:ext cx="4114800" cy="365125"/>
-          </a:xfrm>
-        </p:spPr>
-        <p:txBody>
-          <a:bodyPr/>
-          <a:lstStyle/>
-          <a:p>
-            <a:endParaRPr lang="en-CA"/>
-          </a:p>
-        </p:txBody>
-      </p:sp>
-      <p:sp>
-        <p:nvSpPr>
-          <p:cNvPr id="7" name="Slide Number Placeholder 6">
-            <a:extLst>
-              <a:ext uri="{FF2B5EF4-FFF2-40B4-BE49-F238E27FC236}">
-                <a16:creationId xmlns:a16="http://schemas.microsoft.com/office/drawing/2014/main" id="{CEB77ADF-1A97-A225-C3E4-89B3399F193E}"/>
-              </a:ext>
-            </a:extLst>
-          </p:cNvPr>
-          <p:cNvSpPr>
-            <a:spLocks noGrp="1"/>
-          </p:cNvSpPr>
-          <p:nvPr>
-            <p:ph type="sldNum" sz="quarter" idx="12"/>
-          </p:nvPr>
-        </p:nvSpPr>
-        <p:spPr>
-          <a:xfrm>
-            <a:off x="10633798" y="6356790"/>
-            <a:ext cx="720000" cy="365125"/>
-          </a:xfrm>
-        </p:spPr>
-        <p:txBody>
-          <a:bodyPr/>
-          <a:lstStyle/>
-          <a:p>
-            <a:fld id="{A1C531C1-D099-4540-874C-17240FB731D1}" type="slidenum">
-              <a:rPr lang="en-CA" smtClean="0"/>
-              <a:t>‹#›</a:t>
-            </a:fld>
-            <a:endParaRPr lang="en-CA"/>
           </a:p>
         </p:txBody>
       </p:sp>
@@ -2141,7 +2147,7 @@
           <a:p>
             <a:fld id="{D220F1D1-6C19-4F4B-92BA-F04860C94A09}" type="datetimeFigureOut">
               <a:rPr lang="en-CA" smtClean="0"/>
-              <a:t>2024-01-07</a:t>
+              <a:t>2024-02-25</a:t>
             </a:fld>
             <a:endParaRPr lang="en-CA"/>
           </a:p>
@@ -2283,7 +2289,7 @@
           <a:p>
             <a:fld id="{D220F1D1-6C19-4F4B-92BA-F04860C94A09}" type="datetimeFigureOut">
               <a:rPr lang="en-CA" smtClean="0"/>
-              <a:t>2024-01-07</a:t>
+              <a:t>2024-02-25</a:t>
             </a:fld>
             <a:endParaRPr lang="en-CA"/>
           </a:p>
@@ -2396,7 +2402,7 @@
           <a:p>
             <a:fld id="{D220F1D1-6C19-4F4B-92BA-F04860C94A09}" type="datetimeFigureOut">
               <a:rPr lang="en-CA" smtClean="0"/>
-              <a:t>2024-01-07</a:t>
+              <a:t>2024-02-25</a:t>
             </a:fld>
             <a:endParaRPr lang="en-CA"/>
           </a:p>
@@ -2504,12 +2510,12 @@
         </p:nvSpPr>
         <p:spPr>
           <a:xfrm>
-            <a:off x="839788" y="457200"/>
-            <a:ext cx="3932237" cy="1600200"/>
+            <a:off x="839789" y="457200"/>
+            <a:ext cx="3198812" cy="1600200"/>
           </a:xfrm>
         </p:spPr>
         <p:txBody>
-          <a:bodyPr anchor="b">
+          <a:bodyPr anchor="t">
             <a:normAutofit/>
           </a:bodyPr>
           <a:lstStyle>
@@ -2544,8 +2550,8 @@
         </p:nvSpPr>
         <p:spPr>
           <a:xfrm>
-            <a:off x="4772025" y="457200"/>
-            <a:ext cx="6583363" cy="5411787"/>
+            <a:off x="4038601" y="457200"/>
+            <a:ext cx="7316788" cy="5411787"/>
           </a:xfrm>
         </p:spPr>
         <p:txBody>
@@ -2635,8 +2641,8 @@
         </p:nvSpPr>
         <p:spPr>
           <a:xfrm>
-            <a:off x="839788" y="2057400"/>
-            <a:ext cx="3932237" cy="3811588"/>
+            <a:off x="839789" y="2057400"/>
+            <a:ext cx="3198812" cy="3811588"/>
           </a:xfrm>
         </p:spPr>
         <p:txBody>
@@ -2682,11 +2688,198 @@
             </a:lvl9pPr>
           </a:lstStyle>
           <a:p>
-            <a:pPr lvl="0"/>
-            <a:r>
-              <a:rPr lang="en-US" dirty="0"/>
+            <a:pPr marL="0" marR="0" lvl="0" indent="0" algn="l" defTabSz="914400" rtl="0" eaLnBrk="1" fontAlgn="auto" latinLnBrk="0" hangingPunct="1">
+              <a:lnSpc>
+                <a:spcPct val="90000"/>
+              </a:lnSpc>
+              <a:spcBef>
+                <a:spcPts val="1000"/>
+              </a:spcBef>
+              <a:spcAft>
+                <a:spcPts val="0"/>
+              </a:spcAft>
+              <a:buClrTx/>
+              <a:buSzTx/>
+              <a:buFont typeface="Arial" panose="020B0604020202020204" pitchFamily="34" charset="0"/>
+              <a:buNone/>
+              <a:tabLst/>
+              <a:defRPr/>
+            </a:pPr>
+            <a:r>
+              <a:rPr kumimoji="0" lang="en-US" sz="2800" b="0" i="0" u="none" strike="noStrike" kern="1200" cap="none" spc="0" normalizeH="0" baseline="0" noProof="0" dirty="0">
+                <a:ln>
+                  <a:noFill/>
+                </a:ln>
+                <a:solidFill>
+                  <a:prstClr val="black"/>
+                </a:solidFill>
+                <a:effectLst/>
+                <a:uLnTx/>
+                <a:uFillTx/>
+                <a:latin typeface="Calibri" panose="020F0502020204030204"/>
+                <a:ea typeface="+mn-ea"/>
+                <a:cs typeface="+mn-cs"/>
+              </a:rPr>
               <a:t>Click to edit Master text styles</a:t>
             </a:r>
+          </a:p>
+          <a:p>
+            <a:pPr marL="131400" marR="0" lvl="1" indent="0" algn="l" defTabSz="914400" rtl="0" eaLnBrk="1" fontAlgn="auto" latinLnBrk="0" hangingPunct="1">
+              <a:lnSpc>
+                <a:spcPct val="90000"/>
+              </a:lnSpc>
+              <a:spcBef>
+                <a:spcPts val="500"/>
+              </a:spcBef>
+              <a:spcAft>
+                <a:spcPts val="0"/>
+              </a:spcAft>
+              <a:buClrTx/>
+              <a:buSzTx/>
+              <a:buFont typeface="Arial" panose="020B0604020202020204" pitchFamily="34" charset="0"/>
+              <a:buNone/>
+              <a:tabLst/>
+              <a:defRPr/>
+            </a:pPr>
+            <a:r>
+              <a:rPr kumimoji="0" lang="en-US" sz="2000" b="0" i="0" u="none" strike="noStrike" kern="1200" cap="none" spc="0" normalizeH="0" baseline="0" noProof="0" dirty="0">
+                <a:ln>
+                  <a:noFill/>
+                </a:ln>
+                <a:solidFill>
+                  <a:prstClr val="black"/>
+                </a:solidFill>
+                <a:effectLst/>
+                <a:uLnTx/>
+                <a:uFillTx/>
+                <a:latin typeface="Calibri" panose="020F0502020204030204"/>
+                <a:ea typeface="+mn-ea"/>
+                <a:cs typeface="+mn-cs"/>
+              </a:rPr>
+              <a:t>Second level</a:t>
+            </a:r>
+          </a:p>
+          <a:p>
+            <a:pPr marL="311400" marR="0" lvl="2" indent="0" algn="l" defTabSz="914400" rtl="0" eaLnBrk="1" fontAlgn="auto" latinLnBrk="0" hangingPunct="1">
+              <a:lnSpc>
+                <a:spcPct val="90000"/>
+              </a:lnSpc>
+              <a:spcBef>
+                <a:spcPts val="500"/>
+              </a:spcBef>
+              <a:spcAft>
+                <a:spcPts val="0"/>
+              </a:spcAft>
+              <a:buClrTx/>
+              <a:buSzTx/>
+              <a:buFont typeface="Arial" panose="020B0604020202020204" pitchFamily="34" charset="0"/>
+              <a:buNone/>
+              <a:tabLst/>
+              <a:defRPr/>
+            </a:pPr>
+            <a:r>
+              <a:rPr kumimoji="0" lang="en-US" sz="1800" b="0" i="0" u="none" strike="noStrike" kern="1200" cap="none" spc="0" normalizeH="0" baseline="0" noProof="0" dirty="0">
+                <a:ln>
+                  <a:noFill/>
+                </a:ln>
+                <a:solidFill>
+                  <a:prstClr val="black"/>
+                </a:solidFill>
+                <a:effectLst/>
+                <a:uLnTx/>
+                <a:uFillTx/>
+                <a:latin typeface="Calibri" panose="020F0502020204030204"/>
+                <a:ea typeface="+mn-ea"/>
+                <a:cs typeface="+mn-cs"/>
+              </a:rPr>
+              <a:t>Third level</a:t>
+            </a:r>
+          </a:p>
+          <a:p>
+            <a:pPr marL="491400" marR="0" lvl="3" indent="0" algn="l" defTabSz="914400" rtl="0" eaLnBrk="1" fontAlgn="auto" latinLnBrk="0" hangingPunct="1">
+              <a:lnSpc>
+                <a:spcPct val="90000"/>
+              </a:lnSpc>
+              <a:spcBef>
+                <a:spcPts val="500"/>
+              </a:spcBef>
+              <a:spcAft>
+                <a:spcPts val="0"/>
+              </a:spcAft>
+              <a:buClrTx/>
+              <a:buSzTx/>
+              <a:buFont typeface="Arial" panose="020B0604020202020204" pitchFamily="34" charset="0"/>
+              <a:buNone/>
+              <a:tabLst/>
+              <a:defRPr/>
+            </a:pPr>
+            <a:r>
+              <a:rPr kumimoji="0" lang="en-US" sz="1600" b="0" i="0" u="none" strike="noStrike" kern="1200" cap="none" spc="0" normalizeH="0" baseline="0" noProof="0" dirty="0">
+                <a:ln>
+                  <a:noFill/>
+                </a:ln>
+                <a:solidFill>
+                  <a:prstClr val="black"/>
+                </a:solidFill>
+                <a:effectLst/>
+                <a:uLnTx/>
+                <a:uFillTx/>
+                <a:latin typeface="Calibri" panose="020F0502020204030204"/>
+                <a:ea typeface="+mn-ea"/>
+                <a:cs typeface="+mn-cs"/>
+              </a:rPr>
+              <a:t>Fourth level</a:t>
+            </a:r>
+          </a:p>
+          <a:p>
+            <a:pPr marL="671400" marR="0" lvl="4" indent="0" algn="l" defTabSz="914400" rtl="0" eaLnBrk="1" fontAlgn="auto" latinLnBrk="0" hangingPunct="1">
+              <a:lnSpc>
+                <a:spcPct val="90000"/>
+              </a:lnSpc>
+              <a:spcBef>
+                <a:spcPts val="500"/>
+              </a:spcBef>
+              <a:spcAft>
+                <a:spcPts val="0"/>
+              </a:spcAft>
+              <a:buClrTx/>
+              <a:buSzTx/>
+              <a:buFont typeface="Arial" panose="020B0604020202020204" pitchFamily="34" charset="0"/>
+              <a:buNone/>
+              <a:tabLst/>
+              <a:defRPr/>
+            </a:pPr>
+            <a:r>
+              <a:rPr kumimoji="0" lang="en-US" sz="1400" b="0" i="0" u="none" strike="noStrike" kern="1200" cap="none" spc="0" normalizeH="0" baseline="0" noProof="0" dirty="0">
+                <a:ln>
+                  <a:noFill/>
+                </a:ln>
+                <a:solidFill>
+                  <a:prstClr val="black"/>
+                </a:solidFill>
+                <a:effectLst/>
+                <a:uLnTx/>
+                <a:uFillTx/>
+                <a:latin typeface="Calibri" panose="020F0502020204030204"/>
+                <a:ea typeface="+mn-ea"/>
+                <a:cs typeface="+mn-cs"/>
+              </a:rPr>
+              <a:t>Fifth level</a:t>
+            </a:r>
+            <a:endParaRPr kumimoji="0" lang="en-CA" sz="1400" b="0" i="0" u="none" strike="noStrike" kern="1200" cap="none" spc="0" normalizeH="0" baseline="0" noProof="0" dirty="0">
+              <a:ln>
+                <a:noFill/>
+              </a:ln>
+              <a:solidFill>
+                <a:prstClr val="black"/>
+              </a:solidFill>
+              <a:effectLst/>
+              <a:uLnTx/>
+              <a:uFillTx/>
+              <a:latin typeface="Calibri" panose="020F0502020204030204"/>
+              <a:ea typeface="+mn-ea"/>
+              <a:cs typeface="+mn-cs"/>
+            </a:endParaRPr>
           </a:p>
         </p:txBody>
       </p:sp>
@@ -2713,7 +2906,7 @@
           <a:p>
             <a:fld id="{D220F1D1-6C19-4F4B-92BA-F04860C94A09}" type="datetimeFigureOut">
               <a:rPr lang="en-CA" smtClean="0"/>
-              <a:t>2024-01-07</a:t>
+              <a:t>2024-02-25</a:t>
             </a:fld>
             <a:endParaRPr lang="en-CA"/>
           </a:p>
@@ -2822,11 +3015,11 @@
         <p:spPr>
           <a:xfrm>
             <a:off x="839789" y="457200"/>
-            <a:ext cx="2741612" cy="1600200"/>
+            <a:ext cx="3198810" cy="1600200"/>
           </a:xfrm>
         </p:spPr>
         <p:txBody>
-          <a:bodyPr anchor="b">
+          <a:bodyPr anchor="t">
             <a:normAutofit/>
           </a:bodyPr>
           <a:lstStyle>
@@ -2861,8 +3054,8 @@
         </p:nvSpPr>
         <p:spPr>
           <a:xfrm>
-            <a:off x="3581400" y="457200"/>
-            <a:ext cx="7773988" cy="5794310"/>
+            <a:off x="4038600" y="457200"/>
+            <a:ext cx="7316788" cy="5794310"/>
           </a:xfrm>
         </p:spPr>
         <p:txBody>
@@ -2928,8 +3121,8 @@
         </p:nvSpPr>
         <p:spPr>
           <a:xfrm>
-            <a:off x="839789" y="2057400"/>
-            <a:ext cx="2741612" cy="4194110"/>
+            <a:off x="839788" y="2057400"/>
+            <a:ext cx="3198811" cy="4194110"/>
           </a:xfrm>
         </p:spPr>
         <p:txBody>
@@ -2973,11 +3166,198 @@
             </a:lvl9pPr>
           </a:lstStyle>
           <a:p>
-            <a:pPr lvl="0"/>
-            <a:r>
-              <a:rPr lang="en-US" dirty="0"/>
+            <a:pPr marL="0" marR="0" lvl="0" indent="0" algn="l" defTabSz="914400" rtl="0" eaLnBrk="1" fontAlgn="auto" latinLnBrk="0" hangingPunct="1">
+              <a:lnSpc>
+                <a:spcPct val="90000"/>
+              </a:lnSpc>
+              <a:spcBef>
+                <a:spcPts val="1000"/>
+              </a:spcBef>
+              <a:spcAft>
+                <a:spcPts val="0"/>
+              </a:spcAft>
+              <a:buClrTx/>
+              <a:buSzTx/>
+              <a:buFont typeface="Arial" panose="020B0604020202020204" pitchFamily="34" charset="0"/>
+              <a:buNone/>
+              <a:tabLst/>
+              <a:defRPr/>
+            </a:pPr>
+            <a:r>
+              <a:rPr kumimoji="0" lang="en-US" sz="2800" b="0" i="0" u="none" strike="noStrike" kern="1200" cap="none" spc="0" normalizeH="0" baseline="0" noProof="0" dirty="0">
+                <a:ln>
+                  <a:noFill/>
+                </a:ln>
+                <a:solidFill>
+                  <a:prstClr val="black"/>
+                </a:solidFill>
+                <a:effectLst/>
+                <a:uLnTx/>
+                <a:uFillTx/>
+                <a:latin typeface="Calibri" panose="020F0502020204030204"/>
+                <a:ea typeface="+mn-ea"/>
+                <a:cs typeface="+mn-cs"/>
+              </a:rPr>
               <a:t>Click to edit Master text styles</a:t>
             </a:r>
+          </a:p>
+          <a:p>
+            <a:pPr marL="131400" marR="0" lvl="1" indent="0" algn="l" defTabSz="914400" rtl="0" eaLnBrk="1" fontAlgn="auto" latinLnBrk="0" hangingPunct="1">
+              <a:lnSpc>
+                <a:spcPct val="90000"/>
+              </a:lnSpc>
+              <a:spcBef>
+                <a:spcPts val="500"/>
+              </a:spcBef>
+              <a:spcAft>
+                <a:spcPts val="0"/>
+              </a:spcAft>
+              <a:buClrTx/>
+              <a:buSzTx/>
+              <a:buFont typeface="Arial" panose="020B0604020202020204" pitchFamily="34" charset="0"/>
+              <a:buNone/>
+              <a:tabLst/>
+              <a:defRPr/>
+            </a:pPr>
+            <a:r>
+              <a:rPr kumimoji="0" lang="en-US" sz="2000" b="0" i="0" u="none" strike="noStrike" kern="1200" cap="none" spc="0" normalizeH="0" baseline="0" noProof="0" dirty="0">
+                <a:ln>
+                  <a:noFill/>
+                </a:ln>
+                <a:solidFill>
+                  <a:prstClr val="black"/>
+                </a:solidFill>
+                <a:effectLst/>
+                <a:uLnTx/>
+                <a:uFillTx/>
+                <a:latin typeface="Calibri" panose="020F0502020204030204"/>
+                <a:ea typeface="+mn-ea"/>
+                <a:cs typeface="+mn-cs"/>
+              </a:rPr>
+              <a:t>Second level</a:t>
+            </a:r>
+          </a:p>
+          <a:p>
+            <a:pPr marL="311400" marR="0" lvl="2" indent="0" algn="l" defTabSz="914400" rtl="0" eaLnBrk="1" fontAlgn="auto" latinLnBrk="0" hangingPunct="1">
+              <a:lnSpc>
+                <a:spcPct val="90000"/>
+              </a:lnSpc>
+              <a:spcBef>
+                <a:spcPts val="500"/>
+              </a:spcBef>
+              <a:spcAft>
+                <a:spcPts val="0"/>
+              </a:spcAft>
+              <a:buClrTx/>
+              <a:buSzTx/>
+              <a:buFont typeface="Arial" panose="020B0604020202020204" pitchFamily="34" charset="0"/>
+              <a:buNone/>
+              <a:tabLst/>
+              <a:defRPr/>
+            </a:pPr>
+            <a:r>
+              <a:rPr kumimoji="0" lang="en-US" sz="1800" b="0" i="0" u="none" strike="noStrike" kern="1200" cap="none" spc="0" normalizeH="0" baseline="0" noProof="0" dirty="0">
+                <a:ln>
+                  <a:noFill/>
+                </a:ln>
+                <a:solidFill>
+                  <a:prstClr val="black"/>
+                </a:solidFill>
+                <a:effectLst/>
+                <a:uLnTx/>
+                <a:uFillTx/>
+                <a:latin typeface="Calibri" panose="020F0502020204030204"/>
+                <a:ea typeface="+mn-ea"/>
+                <a:cs typeface="+mn-cs"/>
+              </a:rPr>
+              <a:t>Third level</a:t>
+            </a:r>
+          </a:p>
+          <a:p>
+            <a:pPr marL="491400" marR="0" lvl="3" indent="0" algn="l" defTabSz="914400" rtl="0" eaLnBrk="1" fontAlgn="auto" latinLnBrk="0" hangingPunct="1">
+              <a:lnSpc>
+                <a:spcPct val="90000"/>
+              </a:lnSpc>
+              <a:spcBef>
+                <a:spcPts val="500"/>
+              </a:spcBef>
+              <a:spcAft>
+                <a:spcPts val="0"/>
+              </a:spcAft>
+              <a:buClrTx/>
+              <a:buSzTx/>
+              <a:buFont typeface="Arial" panose="020B0604020202020204" pitchFamily="34" charset="0"/>
+              <a:buNone/>
+              <a:tabLst/>
+              <a:defRPr/>
+            </a:pPr>
+            <a:r>
+              <a:rPr kumimoji="0" lang="en-US" sz="1600" b="0" i="0" u="none" strike="noStrike" kern="1200" cap="none" spc="0" normalizeH="0" baseline="0" noProof="0" dirty="0">
+                <a:ln>
+                  <a:noFill/>
+                </a:ln>
+                <a:solidFill>
+                  <a:prstClr val="black"/>
+                </a:solidFill>
+                <a:effectLst/>
+                <a:uLnTx/>
+                <a:uFillTx/>
+                <a:latin typeface="Calibri" panose="020F0502020204030204"/>
+                <a:ea typeface="+mn-ea"/>
+                <a:cs typeface="+mn-cs"/>
+              </a:rPr>
+              <a:t>Fourth level</a:t>
+            </a:r>
+          </a:p>
+          <a:p>
+            <a:pPr marL="671400" marR="0" lvl="4" indent="0" algn="l" defTabSz="914400" rtl="0" eaLnBrk="1" fontAlgn="auto" latinLnBrk="0" hangingPunct="1">
+              <a:lnSpc>
+                <a:spcPct val="90000"/>
+              </a:lnSpc>
+              <a:spcBef>
+                <a:spcPts val="500"/>
+              </a:spcBef>
+              <a:spcAft>
+                <a:spcPts val="0"/>
+              </a:spcAft>
+              <a:buClrTx/>
+              <a:buSzTx/>
+              <a:buFont typeface="Arial" panose="020B0604020202020204" pitchFamily="34" charset="0"/>
+              <a:buNone/>
+              <a:tabLst/>
+              <a:defRPr/>
+            </a:pPr>
+            <a:r>
+              <a:rPr kumimoji="0" lang="en-US" sz="1400" b="0" i="0" u="none" strike="noStrike" kern="1200" cap="none" spc="0" normalizeH="0" baseline="0" noProof="0" dirty="0">
+                <a:ln>
+                  <a:noFill/>
+                </a:ln>
+                <a:solidFill>
+                  <a:prstClr val="black"/>
+                </a:solidFill>
+                <a:effectLst/>
+                <a:uLnTx/>
+                <a:uFillTx/>
+                <a:latin typeface="Calibri" panose="020F0502020204030204"/>
+                <a:ea typeface="+mn-ea"/>
+                <a:cs typeface="+mn-cs"/>
+              </a:rPr>
+              <a:t>Fifth level</a:t>
+            </a:r>
+            <a:endParaRPr kumimoji="0" lang="en-CA" sz="1400" b="0" i="0" u="none" strike="noStrike" kern="1200" cap="none" spc="0" normalizeH="0" baseline="0" noProof="0" dirty="0">
+              <a:ln>
+                <a:noFill/>
+              </a:ln>
+              <a:solidFill>
+                <a:prstClr val="black"/>
+              </a:solidFill>
+              <a:effectLst/>
+              <a:uLnTx/>
+              <a:uFillTx/>
+              <a:latin typeface="Calibri" panose="020F0502020204030204"/>
+              <a:ea typeface="+mn-ea"/>
+              <a:cs typeface="+mn-cs"/>
+            </a:endParaRPr>
           </a:p>
         </p:txBody>
       </p:sp>
@@ -3004,7 +3384,7 @@
           <a:p>
             <a:fld id="{D220F1D1-6C19-4F4B-92BA-F04860C94A09}" type="datetimeFigureOut">
               <a:rPr lang="en-CA" smtClean="0"/>
-              <a:t>2024-01-07</a:t>
+              <a:t>2024-02-25</a:t>
             </a:fld>
             <a:endParaRPr lang="en-CA"/>
           </a:p>
@@ -3257,7 +3637,7 @@
           <a:p>
             <a:fld id="{D220F1D1-6C19-4F4B-92BA-F04860C94A09}" type="datetimeFigureOut">
               <a:rPr lang="en-CA" smtClean="0"/>
-              <a:t>2024-01-07</a:t>
+              <a:t>2024-02-25</a:t>
             </a:fld>
             <a:endParaRPr lang="en-CA"/>
           </a:p>
